--- a/2010/lectures/4. Object-Oriented Programming with CSharp.pptx
+++ b/2010/lectures/4. Object-Oriented Programming with CSharp.pptx
@@ -346,7 +346,7 @@
             <a:fld id="{3BF7C7B5-275F-4D1F-9AB4-9255447DBC73}" type="datetimeFigureOut">
               <a:rPr lang="en-US"/>
               <a:pPr/>
-              <a:t>3/8/2010</a:t>
+              <a:t>10/6/2010</a:t>
             </a:fld>
             <a:endParaRPr lang="en-US" dirty="0"/>
           </a:p>
@@ -452,6 +452,11 @@
         </p:txBody>
       </p:sp>
     </p:spTree>
+    <p:extLst>
+      <p:ext uri="{BB962C8B-B14F-4D97-AF65-F5344CB8AC3E}">
+        <p14:creationId xmlns:p14="http://schemas.microsoft.com/office/powerpoint/2010/main" val="3682787693"/>
+      </p:ext>
+    </p:extLst>
   </p:cSld>
   <p:clrMap bg1="lt1" tx1="dk1" bg2="lt2" tx2="dk2" accent1="accent1" accent2="accent2" accent3="accent3" accent4="accent4" accent5="accent5" accent6="accent6" hlink="hlink" folHlink="folHlink"/>
 </p:handoutMaster>
@@ -572,7 +577,7 @@
             <a:fld id="{9B46F231-FB2B-4655-A644-E2477325E686}" type="datetimeFigureOut">
               <a:rPr lang="en-US"/>
               <a:pPr/>
-              <a:t>3/8/2010</a:t>
+              <a:t>10/6/2010</a:t>
             </a:fld>
             <a:endParaRPr lang="en-US" dirty="0"/>
           </a:p>
@@ -783,6 +788,11 @@
         </p:txBody>
       </p:sp>
     </p:spTree>
+    <p:extLst>
+      <p:ext uri="{BB962C8B-B14F-4D97-AF65-F5344CB8AC3E}">
+        <p14:creationId xmlns:p14="http://schemas.microsoft.com/office/powerpoint/2010/main" val="3441349839"/>
+      </p:ext>
+    </p:extLst>
   </p:cSld>
   <p:clrMap bg1="lt1" tx1="dk1" bg2="lt2" tx2="dk2" accent1="accent1" accent2="accent2" accent3="accent3" accent4="accent4" accent5="accent5" accent6="accent6" hlink="hlink" folHlink="folHlink"/>
   <p:notesStyle>
@@ -11988,7 +11998,7 @@
         </p:nvSpPr>
         <p:spPr>
           <a:xfrm>
-            <a:off x="228600" y="990600"/>
+            <a:off x="228600" y="914400"/>
             <a:ext cx="8686800" cy="5715000"/>
           </a:xfrm>
         </p:spPr>
@@ -11998,7 +12008,7 @@
           <a:p>
             <a:pPr>
               <a:lnSpc>
-                <a:spcPts val="3500"/>
+                <a:spcPct val="100000"/>
               </a:lnSpc>
             </a:pPr>
             <a:r>
@@ -12009,7 +12019,7 @@
           <a:p>
             <a:pPr lvl="1">
               <a:lnSpc>
-                <a:spcPts val="3500"/>
+                <a:spcPct val="100000"/>
               </a:lnSpc>
             </a:pPr>
             <a:r>
@@ -12020,7 +12030,7 @@
           <a:p>
             <a:pPr lvl="1">
               <a:lnSpc>
-                <a:spcPts val="3500"/>
+                <a:spcPct val="100000"/>
               </a:lnSpc>
             </a:pPr>
             <a:r>
@@ -12054,7 +12064,7 @@
           <a:p>
             <a:pPr>
               <a:lnSpc>
-                <a:spcPts val="3500"/>
+                <a:spcPct val="100000"/>
               </a:lnSpc>
             </a:pPr>
             <a:r>
@@ -12065,7 +12075,7 @@
           <a:p>
             <a:pPr lvl="1">
               <a:lnSpc>
-                <a:spcPts val="3500"/>
+                <a:spcPct val="100000"/>
               </a:lnSpc>
             </a:pPr>
             <a:r>
@@ -12089,7 +12099,7 @@
           <a:p>
             <a:pPr lvl="1">
               <a:lnSpc>
-                <a:spcPts val="3500"/>
+                <a:spcPct val="100000"/>
               </a:lnSpc>
             </a:pPr>
             <a:r>
@@ -12113,7 +12123,7 @@
           <a:p>
             <a:pPr lvl="1">
               <a:lnSpc>
-                <a:spcPts val="3500"/>
+                <a:spcPct val="100000"/>
               </a:lnSpc>
             </a:pPr>
             <a:r>
@@ -12137,7 +12147,7 @@
           <a:p>
             <a:pPr lvl="1">
               <a:lnSpc>
-                <a:spcPts val="3500"/>
+                <a:spcPct val="100000"/>
               </a:lnSpc>
             </a:pPr>
             <a:r>
@@ -12402,6 +12412,11 @@
           <a:bodyPr/>
           <a:lstStyle/>
           <a:p>
+            <a:pPr>
+              <a:lnSpc>
+                <a:spcPct val="100000"/>
+              </a:lnSpc>
+            </a:pPr>
             <a:r>
               <a:rPr lang="en-US" dirty="0" smtClean="0"/>
               <a:t>Our task is to </a:t>
@@ -12420,7 +12435,11 @@
             </a:r>
           </a:p>
           <a:p>
-            <a:pPr lvl="1"/>
+            <a:pPr lvl="1">
+              <a:lnSpc>
+                <a:spcPct val="100000"/>
+              </a:lnSpc>
+            </a:pPr>
             <a:r>
               <a:rPr lang="en-US" dirty="0" smtClean="0"/>
               <a:t>The </a:t>
@@ -12431,7 +12450,11 @@
             </a:r>
           </a:p>
           <a:p>
-            <a:pPr lvl="1"/>
+            <a:pPr lvl="1">
+              <a:lnSpc>
+                <a:spcPct val="100000"/>
+              </a:lnSpc>
+            </a:pPr>
             <a:r>
               <a:rPr lang="en-US" dirty="0"/>
               <a:t>If there is no name or breed assigned </a:t>
@@ -12452,7 +12475,11 @@
             </a:r>
           </a:p>
           <a:p>
-            <a:pPr lvl="1"/>
+            <a:pPr lvl="1">
+              <a:lnSpc>
+                <a:spcPct val="100000"/>
+              </a:lnSpc>
+            </a:pPr>
             <a:r>
               <a:rPr lang="en-US" dirty="0" smtClean="0"/>
               <a:t>It should </a:t>
@@ -12463,7 +12490,11 @@
             </a:r>
           </a:p>
           <a:p>
-            <a:pPr lvl="1"/>
+            <a:pPr lvl="1">
+              <a:lnSpc>
+                <a:spcPct val="100000"/>
+              </a:lnSpc>
+            </a:pPr>
             <a:r>
               <a:rPr lang="en-US" dirty="0"/>
               <a:t>The dog should be able to bark</a:t>
@@ -14082,6 +14113,9 @@
           <a:lstStyle/>
           <a:p>
             <a:pPr marL="361950" indent="-361950">
+              <a:lnSpc>
+                <a:spcPct val="100000"/>
+              </a:lnSpc>
               <a:tabLst/>
             </a:pPr>
             <a:r>
@@ -14090,7 +14124,11 @@
             </a:r>
           </a:p>
           <a:p>
-            <a:pPr marL="709613" lvl="1" indent="-361950"/>
+            <a:pPr marL="709613" lvl="1" indent="-361950">
+              <a:lnSpc>
+                <a:spcPct val="100000"/>
+              </a:lnSpc>
+            </a:pPr>
             <a:r>
               <a:rPr lang="en-US" dirty="0" smtClean="0"/>
               <a:t>Create </a:t>
@@ -14101,7 +14139,11 @@
             </a:r>
           </a:p>
           <a:p>
-            <a:pPr marL="709613" lvl="1" indent="-361950"/>
+            <a:pPr marL="709613" lvl="1" indent="-361950">
+              <a:lnSpc>
+                <a:spcPct val="100000"/>
+              </a:lnSpc>
+            </a:pPr>
             <a:r>
               <a:rPr lang="en-US" dirty="0" smtClean="0"/>
               <a:t>Access the properties </a:t>
@@ -14112,7 +14154,11 @@
             </a:r>
           </a:p>
           <a:p>
-            <a:pPr marL="709613" lvl="1" indent="-361950"/>
+            <a:pPr marL="709613" lvl="1" indent="-361950">
+              <a:lnSpc>
+                <a:spcPct val="100000"/>
+              </a:lnSpc>
+            </a:pPr>
             <a:r>
               <a:rPr lang="en-US" dirty="0" smtClean="0"/>
               <a:t>Invoke methods</a:t>
@@ -14120,21 +14166,33 @@
             <a:endParaRPr lang="en-US" dirty="0"/>
           </a:p>
           <a:p>
-            <a:pPr marL="709613" lvl="1" indent="-361950"/>
+            <a:pPr marL="709613" lvl="1" indent="-361950">
+              <a:lnSpc>
+                <a:spcPct val="100000"/>
+              </a:lnSpc>
+            </a:pPr>
             <a:r>
               <a:rPr lang="en-US" dirty="0"/>
               <a:t>Handle events</a:t>
             </a:r>
           </a:p>
           <a:p>
-            <a:pPr marL="361950" indent="-361950"/>
+            <a:pPr marL="361950" indent="-361950">
+              <a:lnSpc>
+                <a:spcPct val="100000"/>
+              </a:lnSpc>
+            </a:pPr>
             <a:r>
               <a:rPr lang="en-US" dirty="0" smtClean="0"/>
               <a:t>How to define classes?</a:t>
             </a:r>
           </a:p>
           <a:p>
-            <a:pPr marL="709613" lvl="1" indent="-361950"/>
+            <a:pPr marL="709613" lvl="1" indent="-361950">
+              <a:lnSpc>
+                <a:spcPct val="100000"/>
+              </a:lnSpc>
+            </a:pPr>
             <a:r>
               <a:rPr lang="en-US" dirty="0" smtClean="0"/>
               <a:t>Create </a:t>
@@ -14149,7 +14207,11 @@
             </a:r>
           </a:p>
           <a:p>
-            <a:pPr marL="709613" lvl="1" indent="-361950"/>
+            <a:pPr marL="709613" lvl="1" indent="-361950">
+              <a:lnSpc>
+                <a:spcPct val="100000"/>
+              </a:lnSpc>
+            </a:pPr>
             <a:r>
               <a:rPr lang="en-US" dirty="0" smtClean="0"/>
               <a:t>Create new class using some other </a:t>
@@ -14271,6 +14333,9 @@
           <a:lstStyle/>
           <a:p>
             <a:pPr marL="452438" indent="-452438">
+              <a:lnSpc>
+                <a:spcPct val="100000"/>
+              </a:lnSpc>
               <a:buFontTx/>
               <a:buAutoNum type="arabicPeriod"/>
               <a:tabLst/>
@@ -14286,7 +14351,11 @@
             <a:endParaRPr lang="en-US" dirty="0"/>
           </a:p>
           <a:p>
-            <a:pPr marL="803275" lvl="1" indent="-350838"/>
+            <a:pPr marL="803275" lvl="1" indent="-350838">
+              <a:lnSpc>
+                <a:spcPct val="100000"/>
+              </a:lnSpc>
+            </a:pPr>
             <a:r>
               <a:rPr lang="en-US" dirty="0"/>
               <a:t>Initialize fields</a:t>
@@ -14294,6 +14363,9 @@
           </a:p>
           <a:p>
             <a:pPr marL="452438" indent="-452438">
+              <a:lnSpc>
+                <a:spcPct val="100000"/>
+              </a:lnSpc>
               <a:buFontTx/>
               <a:buAutoNum type="arabicPeriod"/>
               <a:tabLst/>
@@ -14304,7 +14376,11 @@
             </a:r>
           </a:p>
           <a:p>
-            <a:pPr marL="803275" lvl="1" indent="-350838"/>
+            <a:pPr marL="803275" lvl="1" indent="-350838">
+              <a:lnSpc>
+                <a:spcPct val="100000"/>
+              </a:lnSpc>
+            </a:pPr>
             <a:r>
               <a:rPr lang="en-US" dirty="0" smtClean="0"/>
               <a:t>Read / change properties</a:t>
@@ -14312,7 +14388,11 @@
             <a:endParaRPr lang="en-US" dirty="0"/>
           </a:p>
           <a:p>
-            <a:pPr marL="803275" lvl="1" indent="-350838"/>
+            <a:pPr marL="803275" lvl="1" indent="-350838">
+              <a:lnSpc>
+                <a:spcPct val="100000"/>
+              </a:lnSpc>
+            </a:pPr>
             <a:r>
               <a:rPr lang="en-US" dirty="0" smtClean="0"/>
               <a:t>Invoke methods</a:t>
@@ -14320,7 +14400,11 @@
             <a:endParaRPr lang="en-US" dirty="0"/>
           </a:p>
           <a:p>
-            <a:pPr marL="803275" lvl="1" indent="-350838"/>
+            <a:pPr marL="803275" lvl="1" indent="-350838">
+              <a:lnSpc>
+                <a:spcPct val="100000"/>
+              </a:lnSpc>
+            </a:pPr>
             <a:r>
               <a:rPr lang="en-US" dirty="0"/>
               <a:t>Handle events</a:t>
@@ -14328,6 +14412,9 @@
           </a:p>
           <a:p>
             <a:pPr marL="452438" indent="-452438">
+              <a:lnSpc>
+                <a:spcPct val="100000"/>
+              </a:lnSpc>
               <a:buFontTx/>
               <a:buAutoNum type="arabicPeriod"/>
               <a:tabLst/>
@@ -14343,6 +14430,9 @@
           </a:p>
           <a:p>
             <a:pPr marL="803275" lvl="1" indent="-350838">
+              <a:lnSpc>
+                <a:spcPct val="100000"/>
+              </a:lnSpc>
               <a:buSzPct val="70000"/>
             </a:pPr>
             <a:r>
@@ -14458,7 +14548,7 @@
         </p:nvSpPr>
         <p:spPr>
           <a:xfrm>
-            <a:off x="228600" y="990600"/>
+            <a:off x="228600" y="838200"/>
             <a:ext cx="8686800" cy="5715000"/>
           </a:xfrm>
         </p:spPr>
@@ -14468,7 +14558,7 @@
           <a:p>
             <a:pPr marL="442913" indent="-442913">
               <a:lnSpc>
-                <a:spcPts val="3200"/>
+                <a:spcPct val="90000"/>
               </a:lnSpc>
               <a:buFontTx/>
               <a:buAutoNum type="arabicPeriod"/>
@@ -14486,7 +14576,7 @@
           <a:p>
             <a:pPr marL="442913" indent="-442913">
               <a:lnSpc>
-                <a:spcPts val="3200"/>
+                <a:spcPct val="90000"/>
               </a:lnSpc>
               <a:buFontTx/>
               <a:buAutoNum type="arabicPeriod"/>
@@ -14499,7 +14589,7 @@
           <a:p>
             <a:pPr marL="442913" indent="-442913">
               <a:lnSpc>
-                <a:spcPts val="3200"/>
+                <a:spcPct val="90000"/>
               </a:lnSpc>
               <a:buFontTx/>
               <a:buAutoNum type="arabicPeriod"/>
@@ -14513,7 +14603,7 @@
           <a:p>
             <a:pPr marL="442913" indent="-442913">
               <a:lnSpc>
-                <a:spcPts val="3200"/>
+                <a:spcPct val="90000"/>
               </a:lnSpc>
               <a:buFontTx/>
               <a:buAutoNum type="arabicPeriod"/>
@@ -14526,7 +14616,7 @@
           <a:p>
             <a:pPr marL="442913" indent="-442913">
               <a:lnSpc>
-                <a:spcPts val="3200"/>
+                <a:spcPct val="90000"/>
               </a:lnSpc>
               <a:buFontTx/>
               <a:buAutoNum type="arabicPeriod"/>
@@ -14539,7 +14629,7 @@
           <a:p>
             <a:pPr marL="442913" indent="-442913">
               <a:lnSpc>
-                <a:spcPts val="3200"/>
+                <a:spcPct val="90000"/>
               </a:lnSpc>
               <a:buFontTx/>
               <a:buAutoNum type="arabicPeriod"/>
@@ -14552,7 +14642,7 @@
           <a:p>
             <a:pPr marL="442913" indent="-442913">
               <a:lnSpc>
-                <a:spcPts val="3200"/>
+                <a:spcPct val="90000"/>
               </a:lnSpc>
               <a:buFontTx/>
               <a:buAutoNum type="arabicPeriod"/>
@@ -14565,7 +14655,7 @@
           <a:p>
             <a:pPr marL="442913" indent="-442913">
               <a:lnSpc>
-                <a:spcPts val="3200"/>
+                <a:spcPct val="90000"/>
               </a:lnSpc>
               <a:buFontTx/>
               <a:buAutoNum type="arabicPeriod"/>
@@ -14578,7 +14668,7 @@
           <a:p>
             <a:pPr marL="442913" indent="-442913">
               <a:lnSpc>
-                <a:spcPts val="3200"/>
+                <a:spcPct val="90000"/>
               </a:lnSpc>
               <a:buFontTx/>
               <a:buAutoNum type="arabicPeriod"/>
@@ -14591,7 +14681,7 @@
           <a:p>
             <a:pPr marL="442913" indent="-442913">
               <a:lnSpc>
-                <a:spcPts val="3200"/>
+                <a:spcPct val="90000"/>
               </a:lnSpc>
               <a:buFontTx/>
               <a:buAutoNum type="arabicPeriod"/>
@@ -14713,6 +14803,9 @@
           <a:lstStyle/>
           <a:p>
             <a:pPr marL="361950" indent="-361950">
+              <a:lnSpc>
+                <a:spcPct val="100000"/>
+              </a:lnSpc>
               <a:tabLst/>
             </a:pPr>
             <a:r>
@@ -14721,7 +14814,11 @@
             </a:r>
           </a:p>
           <a:p>
-            <a:pPr marL="712788" lvl="1" indent="-365125"/>
+            <a:pPr marL="712788" lvl="1" indent="-365125">
+              <a:lnSpc>
+                <a:spcPct val="100000"/>
+              </a:lnSpc>
+            </a:pPr>
             <a:r>
               <a:rPr lang="en-US" dirty="0" smtClean="0"/>
               <a:t>Create </a:t>
@@ -14732,7 +14829,11 @@
             </a:r>
           </a:p>
           <a:p>
-            <a:pPr marL="984250" lvl="2" indent="-344488"/>
+            <a:pPr marL="984250" lvl="2" indent="-344488">
+              <a:lnSpc>
+                <a:spcPct val="100000"/>
+              </a:lnSpc>
+            </a:pPr>
             <a:r>
               <a:rPr lang="en-US" dirty="0"/>
               <a:t>First should be named </a:t>
@@ -14760,14 +14861,22 @@
             <a:endParaRPr lang="en-US" dirty="0"/>
           </a:p>
           <a:p>
-            <a:pPr marL="712788" lvl="1" indent="-365125"/>
+            <a:pPr marL="712788" lvl="1" indent="-365125">
+              <a:lnSpc>
+                <a:spcPct val="100000"/>
+              </a:lnSpc>
+            </a:pPr>
             <a:r>
               <a:rPr lang="en-US" dirty="0"/>
               <a:t>Add all dogs in an array</a:t>
             </a:r>
           </a:p>
           <a:p>
-            <a:pPr marL="712788" lvl="1" indent="-365125"/>
+            <a:pPr marL="712788" lvl="1" indent="-365125">
+              <a:lnSpc>
+                <a:spcPct val="100000"/>
+              </a:lnSpc>
+            </a:pPr>
             <a:r>
               <a:rPr lang="en-US" dirty="0"/>
               <a:t>Iterate through the array </a:t>
@@ -14782,7 +14891,11 @@
             </a:r>
           </a:p>
           <a:p>
-            <a:pPr marL="712788" lvl="1" indent="-365125"/>
+            <a:pPr marL="712788" lvl="1" indent="-365125">
+              <a:lnSpc>
+                <a:spcPct val="100000"/>
+              </a:lnSpc>
+            </a:pPr>
             <a:r>
               <a:rPr lang="en-US" dirty="0"/>
               <a:t>Note</a:t>
@@ -14794,7 +14907,11 @@
             <a:endParaRPr lang="bg-BG" dirty="0" smtClean="0"/>
           </a:p>
           <a:p>
-            <a:pPr marL="984250" lvl="2" indent="-344488"/>
+            <a:pPr marL="984250" lvl="2" indent="-344488">
+              <a:lnSpc>
+                <a:spcPct val="100000"/>
+              </a:lnSpc>
+            </a:pPr>
             <a:r>
               <a:rPr lang="en-US" dirty="0" smtClean="0"/>
               <a:t>Use </a:t>
@@ -14817,6 +14934,9 @@
           </a:p>
           <a:p>
             <a:pPr algn="r">
+              <a:lnSpc>
+                <a:spcPct val="100000"/>
+              </a:lnSpc>
               <a:buFontTx/>
               <a:buNone/>
             </a:pPr>
@@ -15167,7 +15287,17 @@
                 <a:latin typeface="Consolas" pitchFamily="49" charset="0"/>
                 <a:cs typeface="Consolas" pitchFamily="49" charset="0"/>
               </a:rPr>
-              <a:t>   Console.WriteLine("Enter second dog's name: ");</a:t>
+              <a:t>   </a:t>
+            </a:r>
+            <a:r>
+              <a:rPr lang="en-US" altLang="ko-KR" sz="1800" noProof="1" smtClean="0">
+                <a:solidFill>
+                  <a:srgbClr val="8CF4F2"/>
+                </a:solidFill>
+                <a:latin typeface="Consolas" pitchFamily="49" charset="0"/>
+                <a:cs typeface="Consolas" pitchFamily="49" charset="0"/>
+              </a:rPr>
+              <a:t>Console.WriteLine("Enter second dog's name: ");</a:t>
             </a:r>
           </a:p>
           <a:p>
@@ -15596,6 +15726,9 @@
           <a:lstStyle/>
           <a:p>
             <a:pPr marL="361950" indent="-361950">
+              <a:lnSpc>
+                <a:spcPct val="100000"/>
+              </a:lnSpc>
               <a:tabLst/>
             </a:pPr>
             <a:r>
@@ -15604,7 +15737,11 @@
             </a:r>
           </a:p>
           <a:p>
-            <a:pPr marL="712788" lvl="1" indent="-355600"/>
+            <a:pPr marL="712788" lvl="1" indent="-355600">
+              <a:lnSpc>
+                <a:spcPct val="100000"/>
+              </a:lnSpc>
+            </a:pPr>
             <a:r>
               <a:rPr lang="en-US" dirty="0" smtClean="0"/>
               <a:t>Invoked when creating a </a:t>
@@ -15615,7 +15752,11 @@
             </a:r>
           </a:p>
           <a:p>
-            <a:pPr marL="712788" lvl="1" indent="-355600"/>
+            <a:pPr marL="712788" lvl="1" indent="-355600">
+              <a:lnSpc>
+                <a:spcPct val="100000"/>
+              </a:lnSpc>
+            </a:pPr>
             <a:r>
               <a:rPr lang="en-US" dirty="0" smtClean="0"/>
               <a:t>Used to initialize the fields </a:t>
@@ -15630,28 +15771,44 @@
             </a:r>
           </a:p>
           <a:p>
-            <a:pPr marL="361950" indent="-361950"/>
+            <a:pPr marL="361950" indent="-361950">
+              <a:lnSpc>
+                <a:spcPct val="100000"/>
+              </a:lnSpc>
+            </a:pPr>
             <a:r>
               <a:rPr lang="en-US" dirty="0" smtClean="0"/>
               <a:t>Constructors has the same name as the class</a:t>
             </a:r>
           </a:p>
           <a:p>
-            <a:pPr marL="712788" lvl="1" indent="-355600"/>
+            <a:pPr marL="712788" lvl="1" indent="-355600">
+              <a:lnSpc>
+                <a:spcPct val="100000"/>
+              </a:lnSpc>
+            </a:pPr>
             <a:r>
               <a:rPr lang="en-US" dirty="0" smtClean="0"/>
               <a:t>Have no return type</a:t>
             </a:r>
           </a:p>
           <a:p>
-            <a:pPr marL="712788" lvl="1" indent="-355600"/>
+            <a:pPr marL="712788" lvl="1" indent="-355600">
+              <a:lnSpc>
+                <a:spcPct val="100000"/>
+              </a:lnSpc>
+            </a:pPr>
             <a:r>
               <a:rPr lang="en-US" dirty="0" smtClean="0"/>
               <a:t>Can have parameters</a:t>
             </a:r>
           </a:p>
           <a:p>
-            <a:pPr marL="712788" lvl="1" indent="-355600"/>
+            <a:pPr marL="712788" lvl="1" indent="-355600">
+              <a:lnSpc>
+                <a:spcPct val="100000"/>
+              </a:lnSpc>
+            </a:pPr>
             <a:r>
               <a:rPr lang="en-US" dirty="0" smtClean="0"/>
               <a:t>Can be </a:t>
@@ -15793,7 +15950,7 @@
         <p:spPr bwMode="auto">
           <a:xfrm>
             <a:off x="608013" y="1864764"/>
-            <a:ext cx="7850188" cy="4383636"/>
+            <a:ext cx="7850188" cy="3970318"/>
           </a:xfrm>
           <a:prstGeom prst="rect">
             <a:avLst/>
@@ -15821,9 +15978,6 @@
           <a:lstStyle/>
           <a:p>
             <a:pPr marL="282575" indent="-282575" eaLnBrk="0" hangingPunct="0">
-              <a:lnSpc>
-                <a:spcPts val="2400"/>
-              </a:lnSpc>
               <a:spcBef>
                 <a:spcPts val="0"/>
               </a:spcBef>
@@ -15858,9 +16012,6 @@
           </a:p>
           <a:p>
             <a:pPr marL="282575" indent="-282575" eaLnBrk="0" hangingPunct="0">
-              <a:lnSpc>
-                <a:spcPts val="2400"/>
-              </a:lnSpc>
               <a:spcBef>
                 <a:spcPts val="0"/>
               </a:spcBef>
@@ -15909,9 +16060,6 @@
           </a:p>
           <a:p>
             <a:pPr marL="282575" indent="-282575" eaLnBrk="0" hangingPunct="0">
-              <a:lnSpc>
-                <a:spcPts val="2400"/>
-              </a:lnSpc>
               <a:spcBef>
                 <a:spcPts val="0"/>
               </a:spcBef>
@@ -15946,9 +16094,6 @@
           </a:p>
           <a:p>
             <a:pPr marL="282575" indent="-282575" eaLnBrk="0" hangingPunct="0">
-              <a:lnSpc>
-                <a:spcPts val="2400"/>
-              </a:lnSpc>
               <a:spcBef>
                 <a:spcPts val="0"/>
               </a:spcBef>
@@ -15983,9 +16128,6 @@
           </a:p>
           <a:p>
             <a:pPr marL="282575" indent="-282575" eaLnBrk="0" hangingPunct="0">
-              <a:lnSpc>
-                <a:spcPts val="2400"/>
-              </a:lnSpc>
               <a:spcBef>
                 <a:spcPts val="0"/>
               </a:spcBef>
@@ -16017,9 +16159,6 @@
           </a:p>
           <a:p>
             <a:pPr marL="282575" indent="-282575" eaLnBrk="0" hangingPunct="0">
-              <a:lnSpc>
-                <a:spcPts val="2400"/>
-              </a:lnSpc>
               <a:spcBef>
                 <a:spcPts val="0"/>
               </a:spcBef>
@@ -16054,9 +16193,6 @@
           </a:p>
           <a:p>
             <a:pPr marL="282575" indent="-282575" eaLnBrk="0" hangingPunct="0">
-              <a:lnSpc>
-                <a:spcPts val="2400"/>
-              </a:lnSpc>
               <a:spcBef>
                 <a:spcPts val="0"/>
               </a:spcBef>
@@ -16091,9 +16227,6 @@
           </a:p>
           <a:p>
             <a:pPr marL="282575" indent="-282575" eaLnBrk="0" hangingPunct="0">
-              <a:lnSpc>
-                <a:spcPts val="2400"/>
-              </a:lnSpc>
               <a:spcBef>
                 <a:spcPts val="0"/>
               </a:spcBef>
@@ -16128,9 +16261,6 @@
           </a:p>
           <a:p>
             <a:pPr marL="282575" indent="-282575" eaLnBrk="0" hangingPunct="0">
-              <a:lnSpc>
-                <a:spcPts val="2400"/>
-              </a:lnSpc>
               <a:spcBef>
                 <a:spcPts val="0"/>
               </a:spcBef>
@@ -16165,9 +16295,6 @@
           </a:p>
           <a:p>
             <a:pPr marL="282575" indent="-282575" eaLnBrk="0" hangingPunct="0">
-              <a:lnSpc>
-                <a:spcPts val="2400"/>
-              </a:lnSpc>
               <a:spcBef>
                 <a:spcPts val="0"/>
               </a:spcBef>
@@ -16202,9 +16329,6 @@
           </a:p>
           <a:p>
             <a:pPr marL="282575" indent="-282575" eaLnBrk="0" hangingPunct="0">
-              <a:lnSpc>
-                <a:spcPts val="2400"/>
-              </a:lnSpc>
               <a:spcBef>
                 <a:spcPts val="0"/>
               </a:spcBef>
@@ -16239,9 +16363,6 @@
           </a:p>
           <a:p>
             <a:pPr marL="282575" indent="-282575" eaLnBrk="0" hangingPunct="0">
-              <a:lnSpc>
-                <a:spcPts val="2400"/>
-              </a:lnSpc>
               <a:spcBef>
                 <a:spcPts val="0"/>
               </a:spcBef>
@@ -16273,9 +16394,6 @@
           </a:p>
           <a:p>
             <a:pPr marL="282575" indent="-282575" eaLnBrk="0" hangingPunct="0">
-              <a:lnSpc>
-                <a:spcPts val="2400"/>
-              </a:lnSpc>
               <a:spcBef>
                 <a:spcPts val="0"/>
               </a:spcBef>
@@ -16310,9 +16428,6 @@
           </a:p>
           <a:p>
             <a:pPr marL="282575" indent="-282575" eaLnBrk="0" hangingPunct="0">
-              <a:lnSpc>
-                <a:spcPts val="2400"/>
-              </a:lnSpc>
               <a:spcBef>
                 <a:spcPts val="0"/>
               </a:spcBef>
@@ -16383,9 +16498,6 @@
           <a:lstStyle/>
           <a:p>
             <a:pPr marL="361950" marR="0" lvl="0" indent="-361950" algn="l" defTabSz="914400" rtl="0" eaLnBrk="0" fontAlgn="base" latinLnBrk="0" hangingPunct="0">
-              <a:lnSpc>
-                <a:spcPts val="3800"/>
-              </a:lnSpc>
               <a:spcBef>
                 <a:spcPts val="600"/>
               </a:spcBef>
@@ -16603,8 +16715,8 @@
         </p:nvSpPr>
         <p:spPr bwMode="auto">
           <a:xfrm>
-            <a:off x="615950" y="1143000"/>
-            <a:ext cx="7918450" cy="5290679"/>
+            <a:off x="615950" y="990600"/>
+            <a:ext cx="7918450" cy="5539978"/>
           </a:xfrm>
           <a:prstGeom prst="rect">
             <a:avLst/>
@@ -16632,9 +16744,6 @@
           <a:lstStyle/>
           <a:p>
             <a:pPr marL="282575" indent="-282575" eaLnBrk="0" hangingPunct="0">
-              <a:lnSpc>
-                <a:spcPct val="95000"/>
-              </a:lnSpc>
               <a:spcBef>
                 <a:spcPts val="0"/>
               </a:spcBef>
@@ -16669,9 +16778,6 @@
           </a:p>
           <a:p>
             <a:pPr marL="282575" indent="-282575" eaLnBrk="0" hangingPunct="0">
-              <a:lnSpc>
-                <a:spcPct val="95000"/>
-              </a:lnSpc>
               <a:spcBef>
                 <a:spcPts val="0"/>
               </a:spcBef>
@@ -16720,9 +16826,6 @@
           </a:p>
           <a:p>
             <a:pPr marL="282575" indent="-282575" eaLnBrk="0" hangingPunct="0">
-              <a:lnSpc>
-                <a:spcPct val="95000"/>
-              </a:lnSpc>
               <a:spcBef>
                 <a:spcPts val="0"/>
               </a:spcBef>
@@ -16757,9 +16860,6 @@
           </a:p>
           <a:p>
             <a:pPr marL="282575" indent="-282575" eaLnBrk="0" hangingPunct="0">
-              <a:lnSpc>
-                <a:spcPct val="95000"/>
-              </a:lnSpc>
               <a:spcBef>
                 <a:spcPts val="0"/>
               </a:spcBef>
@@ -16794,9 +16894,6 @@
           </a:p>
           <a:p>
             <a:pPr marL="282575" indent="-282575" eaLnBrk="0" hangingPunct="0">
-              <a:lnSpc>
-                <a:spcPct val="95000"/>
-              </a:lnSpc>
               <a:spcBef>
                 <a:spcPts val="1200"/>
               </a:spcBef>
@@ -16831,9 +16928,6 @@
           </a:p>
           <a:p>
             <a:pPr marL="282575" indent="-282575" eaLnBrk="0" hangingPunct="0">
-              <a:lnSpc>
-                <a:spcPct val="95000"/>
-              </a:lnSpc>
               <a:spcBef>
                 <a:spcPts val="0"/>
               </a:spcBef>
@@ -16868,9 +16962,6 @@
           </a:p>
           <a:p>
             <a:pPr marL="282575" indent="-282575" eaLnBrk="0" hangingPunct="0">
-              <a:lnSpc>
-                <a:spcPct val="95000"/>
-              </a:lnSpc>
               <a:spcBef>
                 <a:spcPts val="0"/>
               </a:spcBef>
@@ -16905,9 +16996,6 @@
           </a:p>
           <a:p>
             <a:pPr marL="282575" indent="-282575" eaLnBrk="0" hangingPunct="0">
-              <a:lnSpc>
-                <a:spcPct val="95000"/>
-              </a:lnSpc>
               <a:spcBef>
                 <a:spcPts val="0"/>
               </a:spcBef>
@@ -16942,9 +17030,6 @@
           </a:p>
           <a:p>
             <a:pPr marL="282575" indent="-282575" eaLnBrk="0" hangingPunct="0">
-              <a:lnSpc>
-                <a:spcPct val="95000"/>
-              </a:lnSpc>
               <a:spcBef>
                 <a:spcPts val="0"/>
               </a:spcBef>
@@ -16979,9 +17064,6 @@
           </a:p>
           <a:p>
             <a:pPr marL="282575" indent="-282575" eaLnBrk="0" hangingPunct="0">
-              <a:lnSpc>
-                <a:spcPct val="95000"/>
-              </a:lnSpc>
               <a:spcBef>
                 <a:spcPts val="0"/>
               </a:spcBef>
@@ -17016,9 +17098,6 @@
           </a:p>
           <a:p>
             <a:pPr marL="282575" indent="-282575" eaLnBrk="0" hangingPunct="0">
-              <a:lnSpc>
-                <a:spcPct val="95000"/>
-              </a:lnSpc>
               <a:spcBef>
                 <a:spcPts val="1200"/>
               </a:spcBef>
@@ -17053,9 +17132,6 @@
           </a:p>
           <a:p>
             <a:pPr marL="282575" indent="-282575" eaLnBrk="0" hangingPunct="0">
-              <a:lnSpc>
-                <a:spcPct val="95000"/>
-              </a:lnSpc>
               <a:spcBef>
                 <a:spcPts val="0"/>
               </a:spcBef>
@@ -17090,9 +17166,6 @@
           </a:p>
           <a:p>
             <a:pPr marL="282575" indent="-282575" eaLnBrk="0" hangingPunct="0">
-              <a:lnSpc>
-                <a:spcPct val="95000"/>
-              </a:lnSpc>
               <a:spcBef>
                 <a:spcPts val="0"/>
               </a:spcBef>
@@ -17127,9 +17200,6 @@
           </a:p>
           <a:p>
             <a:pPr marL="282575" indent="-282575" eaLnBrk="0" hangingPunct="0">
-              <a:lnSpc>
-                <a:spcPct val="95000"/>
-              </a:lnSpc>
               <a:spcBef>
                 <a:spcPts val="0"/>
               </a:spcBef>
@@ -17164,9 +17234,6 @@
           </a:p>
           <a:p>
             <a:pPr marL="282575" indent="-282575" eaLnBrk="0" hangingPunct="0">
-              <a:lnSpc>
-                <a:spcPct val="95000"/>
-              </a:lnSpc>
               <a:spcBef>
                 <a:spcPts val="0"/>
               </a:spcBef>
@@ -17201,9 +17268,6 @@
           </a:p>
           <a:p>
             <a:pPr marL="282575" indent="-282575" eaLnBrk="0" hangingPunct="0">
-              <a:lnSpc>
-                <a:spcPct val="95000"/>
-              </a:lnSpc>
               <a:spcBef>
                 <a:spcPts val="0"/>
               </a:spcBef>
@@ -17238,9 +17302,6 @@
           </a:p>
           <a:p>
             <a:pPr marL="282575" indent="-282575" eaLnBrk="0" hangingPunct="0">
-              <a:lnSpc>
-                <a:spcPct val="95000"/>
-              </a:lnSpc>
               <a:spcBef>
                 <a:spcPts val="1200"/>
               </a:spcBef>
@@ -17275,9 +17336,6 @@
           </a:p>
           <a:p>
             <a:pPr marL="282575" indent="-282575" eaLnBrk="0" hangingPunct="0">
-              <a:lnSpc>
-                <a:spcPct val="95000"/>
-              </a:lnSpc>
               <a:spcBef>
                 <a:spcPts val="0"/>
               </a:spcBef>
@@ -18091,19 +18149,7 @@
               <a:tabLst/>
             </a:pPr>
             <a:r>
-              <a:rPr lang="en-US" sz="3000" dirty="0">
-                <a:solidFill>
-                  <a:schemeClr val="tx1">
-                    <a:lumMod val="40000"/>
-                    <a:lumOff val="60000"/>
-                  </a:schemeClr>
-                </a:solidFill>
-                <a:effectLst>
-                  <a:outerShdw blurRad="38100" dist="38100" dir="2700000" algn="tl">
-                    <a:srgbClr val="000000"/>
-                  </a:outerShdw>
-                </a:effectLst>
-              </a:rPr>
+              <a:rPr lang="en-US" sz="3000" dirty="0"/>
               <a:t>Pay attention when using inline initialization!</a:t>
             </a:r>
           </a:p>
@@ -19051,7 +19097,7 @@
           <a:p>
             <a:pPr>
               <a:lnSpc>
-                <a:spcPts val="3600"/>
+                <a:spcPct val="100000"/>
               </a:lnSpc>
             </a:pPr>
             <a:r>
@@ -19071,7 +19117,7 @@
           <a:p>
             <a:pPr>
               <a:lnSpc>
-                <a:spcPts val="3600"/>
+                <a:spcPct val="100000"/>
               </a:lnSpc>
             </a:pPr>
             <a:r>
@@ -19083,7 +19129,7 @@
           <a:p>
             <a:pPr>
               <a:lnSpc>
-                <a:spcPts val="3600"/>
+                <a:spcPct val="100000"/>
               </a:lnSpc>
             </a:pPr>
             <a:r>
@@ -19094,12 +19140,16 @@
           <a:p>
             <a:pPr>
               <a:lnSpc>
-                <a:spcPts val="3600"/>
+                <a:spcPct val="100000"/>
               </a:lnSpc>
             </a:pPr>
             <a:r>
               <a:rPr lang="en-US" sz="2800" dirty="0"/>
-              <a:t>Can be declared with a specific value</a:t>
+              <a:t>Can be declared with a specific </a:t>
+            </a:r>
+            <a:r>
+              <a:rPr lang="en-US" sz="2800" dirty="0" smtClean="0"/>
+              <a:t>value</a:t>
             </a:r>
             <a:endParaRPr lang="bg-BG" sz="2800" dirty="0"/>
           </a:p>
@@ -19816,6 +19866,11 @@
           <a:bodyPr/>
           <a:lstStyle/>
           <a:p>
+            <a:pPr>
+              <a:lnSpc>
+                <a:spcPct val="100000"/>
+              </a:lnSpc>
+            </a:pPr>
             <a:r>
               <a:rPr lang="en-US" sz="3000" dirty="0"/>
               <a:t>In</a:t>
@@ -19839,6 +19894,11 @@
             <a:endParaRPr lang="bg-BG" sz="3000" dirty="0"/>
           </a:p>
           <a:p>
+            <a:pPr>
+              <a:lnSpc>
+                <a:spcPct val="100000"/>
+              </a:lnSpc>
+            </a:pPr>
             <a:r>
               <a:rPr lang="en-US" sz="3000" dirty="0"/>
               <a:t>All</a:t>
@@ -19854,6 +19914,11 @@
             <a:endParaRPr lang="bg-BG" sz="3000" dirty="0"/>
           </a:p>
           <a:p>
+            <a:pPr>
+              <a:lnSpc>
+                <a:spcPct val="100000"/>
+              </a:lnSpc>
+            </a:pPr>
             <a:r>
               <a:rPr lang="en-US" sz="3000" dirty="0"/>
               <a:t>All</a:t>
@@ -19877,6 +19942,11 @@
             <a:endParaRPr lang="bg-BG" sz="3000" dirty="0"/>
           </a:p>
           <a:p>
+            <a:pPr>
+              <a:lnSpc>
+                <a:spcPct val="100000"/>
+              </a:lnSpc>
+            </a:pPr>
             <a:r>
               <a:rPr lang="en-US" sz="3000" dirty="0"/>
               <a:t>The class concept from OOP has</a:t>
@@ -19895,7 +19965,11 @@
             </a:r>
           </a:p>
           <a:p>
-            <a:pPr lvl="1"/>
+            <a:pPr lvl="1">
+              <a:lnSpc>
+                <a:spcPct val="100000"/>
+              </a:lnSpc>
+            </a:pPr>
             <a:r>
               <a:rPr lang="en-US" sz="2800" dirty="0" smtClean="0"/>
               <a:t>Classes </a:t>
@@ -19907,6 +19981,11 @@
             <a:endParaRPr lang="bg-BG" sz="2800" dirty="0"/>
           </a:p>
           <a:p>
+            <a:pPr>
+              <a:lnSpc>
+                <a:spcPct val="100000"/>
+              </a:lnSpc>
+            </a:pPr>
             <a:r>
               <a:rPr lang="en-US" sz="3000" dirty="0"/>
               <a:t>There is no multiple </a:t>
@@ -19918,6 +19997,11 @@
             <a:endParaRPr lang="bg-BG" sz="3000" dirty="0"/>
           </a:p>
           <a:p>
+            <a:pPr>
+              <a:lnSpc>
+                <a:spcPct val="100000"/>
+              </a:lnSpc>
+            </a:pPr>
             <a:r>
               <a:rPr lang="en-US" sz="3000" dirty="0"/>
               <a:t>Classes can implement several interfaces at </a:t>
@@ -22899,11 +22983,7 @@
             </a:r>
             <a:r>
               <a:rPr lang="en-US" dirty="0" smtClean="0"/>
-              <a:t>field – can be calculated </a:t>
-            </a:r>
-            <a:r>
-              <a:rPr lang="en-US" dirty="0" smtClean="0"/>
-              <a:t>dynamically:</a:t>
+              <a:t>field – can be calculated dynamically:</a:t>
             </a:r>
             <a:endParaRPr lang="en-US" dirty="0"/>
           </a:p>
@@ -22982,11 +23062,7 @@
             <a:pPr lvl="1"/>
             <a:r>
               <a:rPr lang="en-US" dirty="0" smtClean="0"/>
-              <a:t>It is automatically created by the </a:t>
-            </a:r>
-            <a:r>
-              <a:rPr lang="en-US" dirty="0" smtClean="0"/>
-              <a:t>C# compiler</a:t>
+              <a:t>It is automatically created by the C# compiler</a:t>
             </a:r>
             <a:endParaRPr lang="en-US" dirty="0"/>
           </a:p>
@@ -25784,11 +25860,7 @@
             <a:pPr lvl="1"/>
             <a:r>
               <a:rPr lang="en-US" dirty="0" smtClean="0"/>
-              <a:t>Their creation and destruction is </a:t>
-            </a:r>
-            <a:r>
-              <a:rPr lang="en-US" dirty="0" smtClean="0"/>
-              <a:t>slower</a:t>
+              <a:t>Their creation and destruction is slower</a:t>
             </a:r>
             <a:endParaRPr lang="bg-BG" dirty="0"/>
           </a:p>
@@ -27938,6 +28010,9 @@
           <a:lstStyle/>
           <a:p>
             <a:pPr marL="361950" indent="-361950">
+              <a:lnSpc>
+                <a:spcPct val="100000"/>
+              </a:lnSpc>
               <a:tabLst/>
             </a:pPr>
             <a:r>
@@ -27947,28 +28022,44 @@
             <a:endParaRPr lang="bg-BG" dirty="0" smtClean="0"/>
           </a:p>
           <a:p>
-            <a:pPr marL="709613" lvl="1" indent="-361950"/>
+            <a:pPr marL="709613" lvl="1" indent="-361950">
+              <a:lnSpc>
+                <a:spcPct val="100000"/>
+              </a:lnSpc>
+            </a:pPr>
             <a:r>
               <a:rPr lang="en-US" dirty="0" smtClean="0"/>
               <a:t>Attributes (state, properties, fields)</a:t>
             </a:r>
           </a:p>
           <a:p>
-            <a:pPr marL="709613" lvl="1" indent="-361950"/>
+            <a:pPr marL="709613" lvl="1" indent="-361950">
+              <a:lnSpc>
+                <a:spcPct val="100000"/>
+              </a:lnSpc>
+            </a:pPr>
             <a:r>
               <a:rPr lang="en-US" dirty="0" smtClean="0"/>
               <a:t>Behavior (methods, operations)</a:t>
             </a:r>
           </a:p>
           <a:p>
-            <a:pPr marL="361950" indent="-361950"/>
+            <a:pPr marL="361950" indent="-361950">
+              <a:lnSpc>
+                <a:spcPct val="100000"/>
+              </a:lnSpc>
+            </a:pPr>
             <a:r>
               <a:rPr lang="en-US" dirty="0" smtClean="0"/>
               <a:t>Classes describe structure of objects</a:t>
             </a:r>
           </a:p>
           <a:p>
-            <a:pPr marL="709613" lvl="1" indent="-361950"/>
+            <a:pPr marL="709613" lvl="1" indent="-361950">
+              <a:lnSpc>
+                <a:spcPct val="100000"/>
+              </a:lnSpc>
+            </a:pPr>
             <a:r>
               <a:rPr lang="en-US" dirty="0" smtClean="0"/>
               <a:t>Objects describe particular instance of a class</a:t>
@@ -27976,6 +28067,9 @@
           </a:p>
           <a:p>
             <a:pPr marL="361950" indent="-361950">
+              <a:lnSpc>
+                <a:spcPct val="100000"/>
+              </a:lnSpc>
               <a:tabLst/>
             </a:pPr>
             <a:r>
@@ -27985,6 +28079,9 @@
           </a:p>
           <a:p>
             <a:pPr marL="361950" indent="-361950">
+              <a:lnSpc>
+                <a:spcPct val="100000"/>
+              </a:lnSpc>
               <a:tabLst/>
             </a:pPr>
             <a:r>
@@ -32143,7 +32240,7 @@
         </p:nvSpPr>
         <p:spPr>
           <a:xfrm>
-            <a:off x="228600" y="990600"/>
+            <a:off x="228600" y="914400"/>
             <a:ext cx="8686800" cy="5715000"/>
           </a:xfrm>
         </p:spPr>
@@ -32153,7 +32250,7 @@
           <a:p>
             <a:pPr>
               <a:lnSpc>
-                <a:spcPts val="3600"/>
+                <a:spcPct val="100000"/>
               </a:lnSpc>
             </a:pPr>
             <a:r>
@@ -32164,7 +32261,7 @@
           <a:p>
             <a:pPr lvl="1">
               <a:lnSpc>
-                <a:spcPts val="3600"/>
+                <a:spcPct val="100000"/>
               </a:lnSpc>
             </a:pPr>
             <a:r>
@@ -32240,7 +32337,7 @@
           <a:p>
             <a:pPr lvl="1">
               <a:lnSpc>
-                <a:spcPts val="3600"/>
+                <a:spcPct val="100000"/>
               </a:lnSpc>
             </a:pPr>
             <a:r>
@@ -32287,7 +32384,7 @@
           <a:p>
             <a:pPr>
               <a:lnSpc>
-                <a:spcPts val="3600"/>
+                <a:spcPct val="100000"/>
               </a:lnSpc>
             </a:pPr>
             <a:r>
@@ -32299,7 +32396,7 @@
           <a:p>
             <a:pPr lvl="1">
               <a:lnSpc>
-                <a:spcPts val="3600"/>
+                <a:spcPct val="100000"/>
               </a:lnSpc>
             </a:pPr>
             <a:r>
@@ -32310,11 +32407,6 @@
                     <a:lumOff val="80000"/>
                   </a:schemeClr>
                 </a:solidFill>
-                <a:effectLst>
-                  <a:outerShdw blurRad="38100" dist="38100" dir="2700000" algn="tl">
-                    <a:srgbClr val="000000"/>
-                  </a:outerShdw>
-                </a:effectLst>
                 <a:latin typeface="Consolas" pitchFamily="49" charset="0"/>
                 <a:cs typeface="Consolas" pitchFamily="49" charset="0"/>
               </a:rPr>
@@ -32332,11 +32424,6 @@
                     <a:lumOff val="80000"/>
                   </a:schemeClr>
                 </a:solidFill>
-                <a:effectLst>
-                  <a:outerShdw blurRad="38100" dist="38100" dir="2700000" algn="tl">
-                    <a:srgbClr val="000000"/>
-                  </a:outerShdw>
-                </a:effectLst>
                 <a:latin typeface="Consolas" pitchFamily="49" charset="0"/>
                 <a:cs typeface="Consolas" pitchFamily="49" charset="0"/>
               </a:rPr>
@@ -32354,11 +32441,6 @@
                     <a:lumOff val="80000"/>
                   </a:schemeClr>
                 </a:solidFill>
-                <a:effectLst>
-                  <a:outerShdw blurRad="38100" dist="38100" dir="2700000" algn="tl">
-                    <a:srgbClr val="000000"/>
-                  </a:outerShdw>
-                </a:effectLst>
                 <a:latin typeface="Consolas" pitchFamily="49" charset="0"/>
                 <a:cs typeface="Consolas" pitchFamily="49" charset="0"/>
               </a:rPr>
@@ -32376,11 +32458,6 @@
                     <a:lumOff val="80000"/>
                   </a:schemeClr>
                 </a:solidFill>
-                <a:effectLst>
-                  <a:outerShdw blurRad="38100" dist="38100" dir="2700000" algn="tl">
-                    <a:srgbClr val="000000"/>
-                  </a:outerShdw>
-                </a:effectLst>
                 <a:latin typeface="Consolas" pitchFamily="49" charset="0"/>
                 <a:cs typeface="Consolas" pitchFamily="49" charset="0"/>
               </a:rPr>
@@ -32393,11 +32470,6 @@
                   <a:lumOff val="80000"/>
                 </a:schemeClr>
               </a:solidFill>
-              <a:effectLst>
-                <a:outerShdw blurRad="38100" dist="38100" dir="2700000" algn="tl">
-                  <a:srgbClr val="000000"/>
-                </a:outerShdw>
-              </a:effectLst>
               <a:latin typeface="Consolas" pitchFamily="49" charset="0"/>
               <a:cs typeface="Consolas" pitchFamily="49" charset="0"/>
             </a:endParaRPr>
@@ -32405,7 +32477,7 @@
           <a:p>
             <a:pPr>
               <a:lnSpc>
-                <a:spcPts val="3600"/>
+                <a:spcPct val="100000"/>
               </a:lnSpc>
             </a:pPr>
             <a:r>
@@ -32416,7 +32488,7 @@
           <a:p>
             <a:pPr lvl="1">
               <a:lnSpc>
-                <a:spcPts val="3600"/>
+                <a:spcPct val="100000"/>
               </a:lnSpc>
             </a:pPr>
             <a:r>
@@ -32427,11 +32499,6 @@
                     <a:lumOff val="80000"/>
                   </a:schemeClr>
                 </a:solidFill>
-                <a:effectLst>
-                  <a:outerShdw blurRad="38100" dist="38100" dir="2700000" algn="tl">
-                    <a:srgbClr val="000000"/>
-                  </a:outerShdw>
-                </a:effectLst>
                 <a:latin typeface="Consolas" pitchFamily="49" charset="0"/>
                 <a:cs typeface="Consolas" pitchFamily="49" charset="0"/>
               </a:rPr>
@@ -35336,11 +35403,7 @@
             <a:pPr lvl="1"/>
             <a:r>
               <a:rPr lang="en-US" sz="2800" dirty="0" smtClean="0"/>
-              <a:t>Inheritors are obligated </a:t>
-            </a:r>
-            <a:r>
-              <a:rPr lang="en-US" sz="2800" dirty="0" smtClean="0"/>
-              <a:t>to			 </a:t>
+              <a:t>Inheritors are obligated to			 </a:t>
             </a:r>
             <a:r>
               <a:rPr lang="en-US" sz="2800" dirty="0"/>
@@ -43059,39 +43122,8 @@
                 <a:latin typeface="Consolas" pitchFamily="49" charset="0"/>
                 <a:cs typeface="Consolas" pitchFamily="49" charset="0"/>
               </a:rPr>
-              <a:t>public class </a:t>
-            </a:r>
-            <a:r>
-              <a:rPr lang="en-US" altLang="ko-KR" sz="2000" b="1" noProof="1" smtClean="0">
-                <a:solidFill>
-                  <a:srgbClr val="8CF4F2"/>
-                </a:solidFill>
-                <a:effectLst>
-                  <a:outerShdw blurRad="38100" dist="38100" dir="2700000" algn="tl">
-                    <a:srgbClr val="000000">
-                      <a:alpha val="43137"/>
-                    </a:srgbClr>
-                  </a:outerShdw>
-                </a:effectLst>
-                <a:latin typeface="Consolas" pitchFamily="49" charset="0"/>
-                <a:cs typeface="Consolas" pitchFamily="49" charset="0"/>
-              </a:rPr>
-              <a:t>Mammal</a:t>
-            </a:r>
-            <a:endParaRPr lang="en-US" altLang="ko-KR" sz="2000" b="1" noProof="1" smtClean="0">
-              <a:solidFill>
-                <a:srgbClr val="8CF4F2"/>
-              </a:solidFill>
-              <a:effectLst>
-                <a:outerShdw blurRad="38100" dist="38100" dir="2700000" algn="tl">
-                  <a:srgbClr val="000000">
-                    <a:alpha val="43137"/>
-                  </a:srgbClr>
-                </a:outerShdw>
-              </a:effectLst>
-              <a:latin typeface="Consolas" pitchFamily="49" charset="0"/>
-              <a:cs typeface="Consolas" pitchFamily="49" charset="0"/>
-            </a:endParaRPr>
+              <a:t>public class Mammal</a:t>
+            </a:r>
           </a:p>
           <a:p>
             <a:pPr marL="282575" indent="-282575" eaLnBrk="0" hangingPunct="0">
@@ -44548,11 +44580,7 @@
             </a:r>
             <a:r>
               <a:rPr lang="en-US" dirty="0" smtClean="0"/>
-              <a:t> </a:t>
-            </a:r>
-            <a:r>
-              <a:rPr lang="en-US" dirty="0" smtClean="0"/>
-              <a:t>(3)</a:t>
+              <a:t> (3)</a:t>
             </a:r>
             <a:endParaRPr lang="bg-BG" dirty="0"/>
           </a:p>
@@ -44752,8 +44780,22 @@
                 <a:cs typeface="Consolas" pitchFamily="49" charset="0"/>
                 <a:sym typeface="Wingdings" pitchFamily="2" charset="2"/>
               </a:rPr>
-              <a:t> </a:t>
-            </a:r>
+              <a:t>    Console.WriteLine(mamal.Age);</a:t>
+            </a:r>
+          </a:p>
+          <a:p>
+            <a:pPr marL="282575" indent="-282575" eaLnBrk="0" hangingPunct="0">
+              <a:buClr>
+                <a:schemeClr val="accent5">
+                  <a:lumMod val="40000"/>
+                  <a:lumOff val="60000"/>
+                </a:schemeClr>
+              </a:buClr>
+              <a:buSzPct val="70000"/>
+              <a:tabLst>
+                <a:tab pos="282575" algn="l"/>
+              </a:tabLst>
+            </a:pPr>
             <a:r>
               <a:rPr lang="en-US" altLang="ko-KR" sz="2000" b="1" noProof="1" smtClean="0">
                 <a:solidFill>
@@ -44770,57 +44812,7 @@
                 <a:cs typeface="Consolas" pitchFamily="49" charset="0"/>
                 <a:sym typeface="Wingdings" pitchFamily="2" charset="2"/>
               </a:rPr>
-              <a:t>   Console.WriteLine(mamal.Age);</a:t>
-            </a:r>
-          </a:p>
-          <a:p>
-            <a:pPr marL="282575" indent="-282575" eaLnBrk="0" hangingPunct="0">
-              <a:buClr>
-                <a:schemeClr val="accent5">
-                  <a:lumMod val="40000"/>
-                  <a:lumOff val="60000"/>
-                </a:schemeClr>
-              </a:buClr>
-              <a:buSzPct val="70000"/>
-              <a:tabLst>
-                <a:tab pos="282575" algn="l"/>
-              </a:tabLst>
-            </a:pPr>
-            <a:r>
-              <a:rPr lang="en-US" altLang="ko-KR" sz="2000" b="1" noProof="1" smtClean="0">
-                <a:solidFill>
-                  <a:srgbClr val="8CF4F2"/>
-                </a:solidFill>
-                <a:effectLst>
-                  <a:outerShdw blurRad="38100" dist="38100" dir="2700000" algn="tl">
-                    <a:srgbClr val="000000">
-                      <a:alpha val="43137"/>
-                    </a:srgbClr>
-                  </a:outerShdw>
-                </a:effectLst>
-                <a:latin typeface="Consolas" pitchFamily="49" charset="0"/>
-                <a:cs typeface="Consolas" pitchFamily="49" charset="0"/>
-                <a:sym typeface="Wingdings" pitchFamily="2" charset="2"/>
-              </a:rPr>
-              <a:t> </a:t>
-            </a:r>
-            <a:r>
-              <a:rPr lang="en-US" altLang="ko-KR" sz="2000" b="1" noProof="1" smtClean="0">
-                <a:solidFill>
-                  <a:srgbClr val="8CF4F2"/>
-                </a:solidFill>
-                <a:effectLst>
-                  <a:outerShdw blurRad="38100" dist="38100" dir="2700000" algn="tl">
-                    <a:srgbClr val="000000">
-                      <a:alpha val="43137"/>
-                    </a:srgbClr>
-                  </a:outerShdw>
-                </a:effectLst>
-                <a:latin typeface="Consolas" pitchFamily="49" charset="0"/>
-                <a:cs typeface="Consolas" pitchFamily="49" charset="0"/>
-                <a:sym typeface="Wingdings" pitchFamily="2" charset="2"/>
-              </a:rPr>
-              <a:t>   mamal.Sleep(); </a:t>
+              <a:t>    mamal.Sleep(); </a:t>
             </a:r>
           </a:p>
           <a:p>
@@ -44913,8 +44905,22 @@
                 <a:cs typeface="Consolas" pitchFamily="49" charset="0"/>
                 <a:sym typeface="Wingdings" pitchFamily="2" charset="2"/>
               </a:rPr>
-              <a:t> </a:t>
-            </a:r>
+              <a:t>    Dog dog = new Dog("Bulldog", 3);</a:t>
+            </a:r>
+          </a:p>
+          <a:p>
+            <a:pPr marL="282575" indent="-282575" eaLnBrk="0" hangingPunct="0">
+              <a:buClr>
+                <a:schemeClr val="accent5">
+                  <a:lumMod val="40000"/>
+                  <a:lumOff val="60000"/>
+                </a:schemeClr>
+              </a:buClr>
+              <a:buSzPct val="70000"/>
+              <a:tabLst>
+                <a:tab pos="282575" algn="l"/>
+              </a:tabLst>
+            </a:pPr>
             <a:r>
               <a:rPr lang="en-US" altLang="ko-KR" sz="2000" b="1" noProof="1" smtClean="0">
                 <a:solidFill>
@@ -44931,7 +44937,7 @@
                 <a:cs typeface="Consolas" pitchFamily="49" charset="0"/>
                 <a:sym typeface="Wingdings" pitchFamily="2" charset="2"/>
               </a:rPr>
-              <a:t>   Dog dog = new Dog("Bulldog", 3);</a:t>
+              <a:t>    dog.Sleep();</a:t>
             </a:r>
           </a:p>
           <a:p>
@@ -44963,8 +44969,22 @@
                 <a:cs typeface="Consolas" pitchFamily="49" charset="0"/>
                 <a:sym typeface="Wingdings" pitchFamily="2" charset="2"/>
               </a:rPr>
-              <a:t> </a:t>
-            </a:r>
+              <a:t>    dog.Age = 4;</a:t>
+            </a:r>
+          </a:p>
+          <a:p>
+            <a:pPr marL="282575" indent="-282575" eaLnBrk="0" hangingPunct="0">
+              <a:buClr>
+                <a:schemeClr val="accent5">
+                  <a:lumMod val="40000"/>
+                  <a:lumOff val="60000"/>
+                </a:schemeClr>
+              </a:buClr>
+              <a:buSzPct val="70000"/>
+              <a:tabLst>
+                <a:tab pos="282575" algn="l"/>
+              </a:tabLst>
+            </a:pPr>
             <a:r>
               <a:rPr lang="en-US" altLang="ko-KR" sz="2000" b="1" noProof="1" smtClean="0">
                 <a:solidFill>
@@ -44981,7 +45001,7 @@
                 <a:cs typeface="Consolas" pitchFamily="49" charset="0"/>
                 <a:sym typeface="Wingdings" pitchFamily="2" charset="2"/>
               </a:rPr>
-              <a:t>   dog.Sleep();</a:t>
+              <a:t>    Console.WriteLine("Age: {0}", dog.Age);</a:t>
             </a:r>
           </a:p>
           <a:p>
@@ -45013,8 +45033,22 @@
                 <a:cs typeface="Consolas" pitchFamily="49" charset="0"/>
                 <a:sym typeface="Wingdings" pitchFamily="2" charset="2"/>
               </a:rPr>
-              <a:t> </a:t>
-            </a:r>
+              <a:t>    Console.WriteLine("Breed: {0}", dog.Breed);</a:t>
+            </a:r>
+          </a:p>
+          <a:p>
+            <a:pPr marL="282575" indent="-282575" eaLnBrk="0" hangingPunct="0">
+              <a:buClr>
+                <a:schemeClr val="accent5">
+                  <a:lumMod val="40000"/>
+                  <a:lumOff val="60000"/>
+                </a:schemeClr>
+              </a:buClr>
+              <a:buSzPct val="70000"/>
+              <a:tabLst>
+                <a:tab pos="282575" algn="l"/>
+              </a:tabLst>
+            </a:pPr>
             <a:r>
               <a:rPr lang="en-US" altLang="ko-KR" sz="2000" b="1" noProof="1" smtClean="0">
                 <a:solidFill>
@@ -45031,7 +45065,7 @@
                 <a:cs typeface="Consolas" pitchFamily="49" charset="0"/>
                 <a:sym typeface="Wingdings" pitchFamily="2" charset="2"/>
               </a:rPr>
-              <a:t>   dog.Age = 4;</a:t>
+              <a:t>    dog.WagTail();</a:t>
             </a:r>
           </a:p>
           <a:p>
@@ -45063,155 +45097,8 @@
                 <a:cs typeface="Consolas" pitchFamily="49" charset="0"/>
                 <a:sym typeface="Wingdings" pitchFamily="2" charset="2"/>
               </a:rPr>
-              <a:t>    Console.WriteLine("Age: {0}", dog.Age);</a:t>
-            </a:r>
-          </a:p>
-          <a:p>
-            <a:pPr marL="282575" indent="-282575" eaLnBrk="0" hangingPunct="0">
-              <a:buClr>
-                <a:schemeClr val="accent5">
-                  <a:lumMod val="40000"/>
-                  <a:lumOff val="60000"/>
-                </a:schemeClr>
-              </a:buClr>
-              <a:buSzPct val="70000"/>
-              <a:tabLst>
-                <a:tab pos="282575" algn="l"/>
-              </a:tabLst>
-            </a:pPr>
-            <a:r>
-              <a:rPr lang="en-US" altLang="ko-KR" sz="2000" b="1" noProof="1" smtClean="0">
-                <a:solidFill>
-                  <a:srgbClr val="8CF4F2"/>
-                </a:solidFill>
-                <a:effectLst>
-                  <a:outerShdw blurRad="38100" dist="38100" dir="2700000" algn="tl">
-                    <a:srgbClr val="000000">
-                      <a:alpha val="43137"/>
-                    </a:srgbClr>
-                  </a:outerShdw>
-                </a:effectLst>
-                <a:latin typeface="Consolas" pitchFamily="49" charset="0"/>
-                <a:cs typeface="Consolas" pitchFamily="49" charset="0"/>
-                <a:sym typeface="Wingdings" pitchFamily="2" charset="2"/>
-              </a:rPr>
-              <a:t>    Console.WriteLine("Breed: {</a:t>
-            </a:r>
-            <a:r>
-              <a:rPr lang="en-US" altLang="ko-KR" sz="2000" b="1" noProof="1" smtClean="0">
-                <a:solidFill>
-                  <a:srgbClr val="8CF4F2"/>
-                </a:solidFill>
-                <a:effectLst>
-                  <a:outerShdw blurRad="38100" dist="38100" dir="2700000" algn="tl">
-                    <a:srgbClr val="000000">
-                      <a:alpha val="43137"/>
-                    </a:srgbClr>
-                  </a:outerShdw>
-                </a:effectLst>
-                <a:latin typeface="Consolas" pitchFamily="49" charset="0"/>
-                <a:cs typeface="Consolas" pitchFamily="49" charset="0"/>
-                <a:sym typeface="Wingdings" pitchFamily="2" charset="2"/>
-              </a:rPr>
-              <a:t>0}", </a:t>
-            </a:r>
-            <a:r>
-              <a:rPr lang="en-US" altLang="ko-KR" sz="2000" b="1" noProof="1" smtClean="0">
-                <a:solidFill>
-                  <a:srgbClr val="8CF4F2"/>
-                </a:solidFill>
-                <a:effectLst>
-                  <a:outerShdw blurRad="38100" dist="38100" dir="2700000" algn="tl">
-                    <a:srgbClr val="000000">
-                      <a:alpha val="43137"/>
-                    </a:srgbClr>
-                  </a:outerShdw>
-                </a:effectLst>
-                <a:latin typeface="Consolas" pitchFamily="49" charset="0"/>
-                <a:cs typeface="Consolas" pitchFamily="49" charset="0"/>
-                <a:sym typeface="Wingdings" pitchFamily="2" charset="2"/>
-              </a:rPr>
-              <a:t>dog.Breed);</a:t>
-            </a:r>
-          </a:p>
-          <a:p>
-            <a:pPr marL="282575" indent="-282575" eaLnBrk="0" hangingPunct="0">
-              <a:buClr>
-                <a:schemeClr val="accent5">
-                  <a:lumMod val="40000"/>
-                  <a:lumOff val="60000"/>
-                </a:schemeClr>
-              </a:buClr>
-              <a:buSzPct val="70000"/>
-              <a:tabLst>
-                <a:tab pos="282575" algn="l"/>
-              </a:tabLst>
-            </a:pPr>
-            <a:r>
-              <a:rPr lang="en-US" altLang="ko-KR" sz="2000" b="1" noProof="1" smtClean="0">
-                <a:solidFill>
-                  <a:srgbClr val="8CF4F2"/>
-                </a:solidFill>
-                <a:effectLst>
-                  <a:outerShdw blurRad="38100" dist="38100" dir="2700000" algn="tl">
-                    <a:srgbClr val="000000">
-                      <a:alpha val="43137"/>
-                    </a:srgbClr>
-                  </a:outerShdw>
-                </a:effectLst>
-                <a:latin typeface="Consolas" pitchFamily="49" charset="0"/>
-                <a:cs typeface="Consolas" pitchFamily="49" charset="0"/>
-                <a:sym typeface="Wingdings" pitchFamily="2" charset="2"/>
-              </a:rPr>
-              <a:t>    dog.WagTail();</a:t>
-            </a:r>
-          </a:p>
-          <a:p>
-            <a:pPr marL="282575" indent="-282575" eaLnBrk="0" hangingPunct="0">
-              <a:buClr>
-                <a:schemeClr val="accent5">
-                  <a:lumMod val="40000"/>
-                  <a:lumOff val="60000"/>
-                </a:schemeClr>
-              </a:buClr>
-              <a:buSzPct val="70000"/>
-              <a:tabLst>
-                <a:tab pos="282575" algn="l"/>
-              </a:tabLst>
-            </a:pPr>
-            <a:r>
-              <a:rPr lang="en-US" altLang="ko-KR" sz="2000" b="1" noProof="1" smtClean="0">
-                <a:solidFill>
-                  <a:srgbClr val="8CF4F2"/>
-                </a:solidFill>
-                <a:effectLst>
-                  <a:outerShdw blurRad="38100" dist="38100" dir="2700000" algn="tl">
-                    <a:srgbClr val="000000">
-                      <a:alpha val="43137"/>
-                    </a:srgbClr>
-                  </a:outerShdw>
-                </a:effectLst>
-                <a:latin typeface="Consolas" pitchFamily="49" charset="0"/>
-                <a:cs typeface="Consolas" pitchFamily="49" charset="0"/>
-                <a:sym typeface="Wingdings" pitchFamily="2" charset="2"/>
-              </a:rPr>
               <a:t>}</a:t>
             </a:r>
-            <a:endParaRPr lang="en-US" altLang="ko-KR" sz="2000" b="1" noProof="1" smtClean="0">
-              <a:solidFill>
-                <a:srgbClr val="8CF4F2"/>
-              </a:solidFill>
-              <a:effectLst>
-                <a:outerShdw blurRad="38100" dist="38100" dir="2700000" algn="tl">
-                  <a:srgbClr val="000000">
-                    <a:alpha val="43137"/>
-                  </a:srgbClr>
-                </a:outerShdw>
-              </a:effectLst>
-              <a:latin typeface="Consolas" pitchFamily="49" charset="0"/>
-              <a:cs typeface="Consolas" pitchFamily="49" charset="0"/>
-              <a:sym typeface="Wingdings" pitchFamily="2" charset="2"/>
-            </a:endParaRPr>
           </a:p>
         </p:txBody>
       </p:sp>
@@ -45665,11 +45552,7 @@
             </a:pPr>
             <a:r>
               <a:rPr lang="en-US" dirty="0" smtClean="0"/>
-              <a:t>Methods </a:t>
-            </a:r>
-            <a:r>
-              <a:rPr lang="en-US" dirty="0" smtClean="0"/>
-              <a:t>from an interface </a:t>
+              <a:t>Methods from an interface </a:t>
             </a:r>
             <a:r>
               <a:rPr lang="bg-BG" dirty="0" smtClean="0"/>
@@ -46814,8 +46697,22 @@
                 <a:latin typeface="Consolas" pitchFamily="49" charset="0"/>
                 <a:cs typeface="Consolas" pitchFamily="49" charset="0"/>
               </a:rPr>
-              <a:t>static </a:t>
-            </a:r>
+              <a:t>static void Main()</a:t>
+            </a:r>
+          </a:p>
+          <a:p>
+            <a:pPr marL="282575" indent="-282575" eaLnBrk="0" hangingPunct="0">
+              <a:buClr>
+                <a:schemeClr val="accent5">
+                  <a:lumMod val="40000"/>
+                  <a:lumOff val="60000"/>
+                </a:schemeClr>
+              </a:buClr>
+              <a:buSzPct val="70000"/>
+              <a:tabLst>
+                <a:tab pos="282575" algn="l"/>
+              </a:tabLst>
+            </a:pPr>
             <a:r>
               <a:rPr lang="en-US" altLang="ko-KR" sz="1900" b="1" noProof="1" smtClean="0">
                 <a:solidFill>
@@ -46831,7 +46728,7 @@
                 <a:latin typeface="Consolas" pitchFamily="49" charset="0"/>
                 <a:cs typeface="Consolas" pitchFamily="49" charset="0"/>
               </a:rPr>
-              <a:t>void Main()</a:t>
+              <a:t>{</a:t>
             </a:r>
           </a:p>
           <a:p>
@@ -46862,8 +46759,301 @@
                 <a:latin typeface="Consolas" pitchFamily="49" charset="0"/>
                 <a:cs typeface="Consolas" pitchFamily="49" charset="0"/>
               </a:rPr>
-              <a:t>{</a:t>
-            </a:r>
+              <a:t>    Person[] persons = </a:t>
+            </a:r>
+          </a:p>
+          <a:p>
+            <a:pPr marL="282575" indent="-282575" eaLnBrk="0" hangingPunct="0">
+              <a:buClr>
+                <a:schemeClr val="accent5">
+                  <a:lumMod val="40000"/>
+                  <a:lumOff val="60000"/>
+                </a:schemeClr>
+              </a:buClr>
+              <a:buSzPct val="70000"/>
+              <a:tabLst>
+                <a:tab pos="282575" algn="l"/>
+              </a:tabLst>
+            </a:pPr>
+            <a:r>
+              <a:rPr lang="en-US" altLang="ko-KR" sz="1900" b="1" noProof="1" smtClean="0">
+                <a:solidFill>
+                  <a:srgbClr val="8CF4F2"/>
+                </a:solidFill>
+                <a:effectLst>
+                  <a:outerShdw blurRad="38100" dist="38100" dir="2700000" algn="tl">
+                    <a:srgbClr val="000000">
+                      <a:alpha val="43137"/>
+                    </a:srgbClr>
+                  </a:outerShdw>
+                </a:effectLst>
+                <a:latin typeface="Consolas" pitchFamily="49" charset="0"/>
+                <a:cs typeface="Consolas" pitchFamily="49" charset="0"/>
+              </a:rPr>
+              <a:t>    {</a:t>
+            </a:r>
+          </a:p>
+          <a:p>
+            <a:pPr marL="282575" indent="-282575" eaLnBrk="0" hangingPunct="0">
+              <a:buClr>
+                <a:schemeClr val="accent5">
+                  <a:lumMod val="40000"/>
+                  <a:lumOff val="60000"/>
+                </a:schemeClr>
+              </a:buClr>
+              <a:buSzPct val="70000"/>
+              <a:tabLst>
+                <a:tab pos="282575" algn="l"/>
+              </a:tabLst>
+            </a:pPr>
+            <a:r>
+              <a:rPr lang="en-US" altLang="ko-KR" sz="1900" b="1" noProof="1" smtClean="0">
+                <a:solidFill>
+                  <a:srgbClr val="8CF4F2"/>
+                </a:solidFill>
+                <a:effectLst>
+                  <a:outerShdw blurRad="38100" dist="38100" dir="2700000" algn="tl">
+                    <a:srgbClr val="000000">
+                      <a:alpha val="43137"/>
+                    </a:srgbClr>
+                  </a:outerShdw>
+                </a:effectLst>
+                <a:latin typeface="Consolas" pitchFamily="49" charset="0"/>
+                <a:cs typeface="Consolas" pitchFamily="49" charset="0"/>
+              </a:rPr>
+              <a:t>        new Person(),</a:t>
+            </a:r>
+          </a:p>
+          <a:p>
+            <a:pPr marL="282575" indent="-282575" eaLnBrk="0" hangingPunct="0">
+              <a:buClr>
+                <a:schemeClr val="accent5">
+                  <a:lumMod val="40000"/>
+                  <a:lumOff val="60000"/>
+                </a:schemeClr>
+              </a:buClr>
+              <a:buSzPct val="70000"/>
+              <a:tabLst>
+                <a:tab pos="282575" algn="l"/>
+              </a:tabLst>
+            </a:pPr>
+            <a:r>
+              <a:rPr lang="en-US" altLang="ko-KR" sz="1900" b="1" noProof="1" smtClean="0">
+                <a:solidFill>
+                  <a:srgbClr val="8CF4F2"/>
+                </a:solidFill>
+                <a:effectLst>
+                  <a:outerShdw blurRad="38100" dist="38100" dir="2700000" algn="tl">
+                    <a:srgbClr val="000000">
+                      <a:alpha val="43137"/>
+                    </a:srgbClr>
+                  </a:outerShdw>
+                </a:effectLst>
+                <a:latin typeface="Consolas" pitchFamily="49" charset="0"/>
+                <a:cs typeface="Consolas" pitchFamily="49" charset="0"/>
+              </a:rPr>
+              <a:t>        new Trainer(),</a:t>
+            </a:r>
+          </a:p>
+          <a:p>
+            <a:pPr marL="282575" indent="-282575" eaLnBrk="0" hangingPunct="0">
+              <a:buClr>
+                <a:schemeClr val="accent5">
+                  <a:lumMod val="40000"/>
+                  <a:lumOff val="60000"/>
+                </a:schemeClr>
+              </a:buClr>
+              <a:buSzPct val="70000"/>
+              <a:tabLst>
+                <a:tab pos="282575" algn="l"/>
+              </a:tabLst>
+            </a:pPr>
+            <a:r>
+              <a:rPr lang="en-US" altLang="ko-KR" sz="1900" b="1" noProof="1" smtClean="0">
+                <a:solidFill>
+                  <a:srgbClr val="8CF4F2"/>
+                </a:solidFill>
+                <a:effectLst>
+                  <a:outerShdw blurRad="38100" dist="38100" dir="2700000" algn="tl">
+                    <a:srgbClr val="000000">
+                      <a:alpha val="43137"/>
+                    </a:srgbClr>
+                  </a:outerShdw>
+                </a:effectLst>
+                <a:latin typeface="Consolas" pitchFamily="49" charset="0"/>
+                <a:cs typeface="Consolas" pitchFamily="49" charset="0"/>
+              </a:rPr>
+              <a:t>        new Student()</a:t>
+            </a:r>
+          </a:p>
+          <a:p>
+            <a:pPr marL="282575" indent="-282575" eaLnBrk="0" hangingPunct="0">
+              <a:buClr>
+                <a:schemeClr val="accent5">
+                  <a:lumMod val="40000"/>
+                  <a:lumOff val="60000"/>
+                </a:schemeClr>
+              </a:buClr>
+              <a:buSzPct val="70000"/>
+              <a:tabLst>
+                <a:tab pos="282575" algn="l"/>
+              </a:tabLst>
+            </a:pPr>
+            <a:r>
+              <a:rPr lang="en-US" altLang="ko-KR" sz="1900" b="1" noProof="1" smtClean="0">
+                <a:solidFill>
+                  <a:srgbClr val="8CF4F2"/>
+                </a:solidFill>
+                <a:effectLst>
+                  <a:outerShdw blurRad="38100" dist="38100" dir="2700000" algn="tl">
+                    <a:srgbClr val="000000">
+                      <a:alpha val="43137"/>
+                    </a:srgbClr>
+                  </a:outerShdw>
+                </a:effectLst>
+                <a:latin typeface="Consolas" pitchFamily="49" charset="0"/>
+                <a:cs typeface="Consolas" pitchFamily="49" charset="0"/>
+              </a:rPr>
+              <a:t>    };</a:t>
+            </a:r>
+          </a:p>
+          <a:p>
+            <a:pPr marL="282575" indent="-282575" eaLnBrk="0" hangingPunct="0">
+              <a:buClr>
+                <a:schemeClr val="accent5">
+                  <a:lumMod val="40000"/>
+                  <a:lumOff val="60000"/>
+                </a:schemeClr>
+              </a:buClr>
+              <a:buSzPct val="70000"/>
+              <a:tabLst>
+                <a:tab pos="282575" algn="l"/>
+              </a:tabLst>
+            </a:pPr>
+            <a:r>
+              <a:rPr lang="en-US" altLang="ko-KR" sz="1900" b="1" noProof="1" smtClean="0">
+                <a:solidFill>
+                  <a:srgbClr val="8CF4F2"/>
+                </a:solidFill>
+                <a:effectLst>
+                  <a:outerShdw blurRad="38100" dist="38100" dir="2700000" algn="tl">
+                    <a:srgbClr val="000000">
+                      <a:alpha val="43137"/>
+                    </a:srgbClr>
+                  </a:outerShdw>
+                </a:effectLst>
+                <a:latin typeface="Consolas" pitchFamily="49" charset="0"/>
+                <a:cs typeface="Consolas" pitchFamily="49" charset="0"/>
+              </a:rPr>
+              <a:t>    foreach (Person p in persons)</a:t>
+            </a:r>
+          </a:p>
+          <a:p>
+            <a:pPr marL="282575" indent="-282575" eaLnBrk="0" hangingPunct="0">
+              <a:buClr>
+                <a:schemeClr val="accent5">
+                  <a:lumMod val="40000"/>
+                  <a:lumOff val="60000"/>
+                </a:schemeClr>
+              </a:buClr>
+              <a:buSzPct val="70000"/>
+              <a:tabLst>
+                <a:tab pos="282575" algn="l"/>
+              </a:tabLst>
+            </a:pPr>
+            <a:r>
+              <a:rPr lang="en-US" altLang="ko-KR" sz="1900" b="1" noProof="1" smtClean="0">
+                <a:solidFill>
+                  <a:srgbClr val="8CF4F2"/>
+                </a:solidFill>
+                <a:effectLst>
+                  <a:outerShdw blurRad="38100" dist="38100" dir="2700000" algn="tl">
+                    <a:srgbClr val="000000">
+                      <a:alpha val="43137"/>
+                    </a:srgbClr>
+                  </a:outerShdw>
+                </a:effectLst>
+                <a:latin typeface="Consolas" pitchFamily="49" charset="0"/>
+                <a:cs typeface="Consolas" pitchFamily="49" charset="0"/>
+              </a:rPr>
+              <a:t>    {</a:t>
+            </a:r>
+          </a:p>
+          <a:p>
+            <a:pPr marL="282575" indent="-282575" eaLnBrk="0" hangingPunct="0">
+              <a:buClr>
+                <a:schemeClr val="accent5">
+                  <a:lumMod val="40000"/>
+                  <a:lumOff val="60000"/>
+                </a:schemeClr>
+              </a:buClr>
+              <a:buSzPct val="70000"/>
+              <a:tabLst>
+                <a:tab pos="282575" algn="l"/>
+              </a:tabLst>
+            </a:pPr>
+            <a:r>
+              <a:rPr lang="en-US" altLang="ko-KR" sz="1900" b="1" noProof="1" smtClean="0">
+                <a:solidFill>
+                  <a:srgbClr val="8CF4F2"/>
+                </a:solidFill>
+                <a:effectLst>
+                  <a:outerShdw blurRad="38100" dist="38100" dir="2700000" algn="tl">
+                    <a:srgbClr val="000000">
+                      <a:alpha val="43137"/>
+                    </a:srgbClr>
+                  </a:outerShdw>
+                </a:effectLst>
+                <a:latin typeface="Consolas" pitchFamily="49" charset="0"/>
+                <a:cs typeface="Consolas" pitchFamily="49" charset="0"/>
+              </a:rPr>
+              <a:t>        Console.WriteLine(p); </a:t>
+            </a:r>
+          </a:p>
+          <a:p>
+            <a:pPr marL="282575" indent="-282575" eaLnBrk="0" hangingPunct="0">
+              <a:buClr>
+                <a:schemeClr val="accent5">
+                  <a:lumMod val="40000"/>
+                  <a:lumOff val="60000"/>
+                </a:schemeClr>
+              </a:buClr>
+              <a:buSzPct val="70000"/>
+              <a:tabLst>
+                <a:tab pos="282575" algn="l"/>
+              </a:tabLst>
+            </a:pPr>
+            <a:r>
+              <a:rPr lang="en-US" altLang="ko-KR" sz="1900" b="1" noProof="1" smtClean="0">
+                <a:solidFill>
+                  <a:srgbClr val="8CF4F2"/>
+                </a:solidFill>
+                <a:effectLst>
+                  <a:outerShdw blurRad="38100" dist="38100" dir="2700000" algn="tl">
+                    <a:srgbClr val="000000">
+                      <a:alpha val="43137"/>
+                    </a:srgbClr>
+                  </a:outerShdw>
+                </a:effectLst>
+                <a:latin typeface="Consolas" pitchFamily="49" charset="0"/>
+                <a:cs typeface="Consolas" pitchFamily="49" charset="0"/>
+              </a:rPr>
+              <a:t>    } </a:t>
+            </a:r>
+          </a:p>
+          <a:p>
+            <a:pPr marL="282575" indent="-282575" eaLnBrk="0" hangingPunct="0">
+              <a:buClr>
+                <a:schemeClr val="accent5">
+                  <a:lumMod val="40000"/>
+                  <a:lumOff val="60000"/>
+                </a:schemeClr>
+              </a:buClr>
+              <a:buSzPct val="70000"/>
+              <a:tabLst>
+                <a:tab pos="282575" algn="l"/>
+              </a:tabLst>
+            </a:pPr>
             <a:endParaRPr lang="en-US" altLang="ko-KR" sz="1900" b="1" noProof="1" smtClean="0">
               <a:solidFill>
                 <a:srgbClr val="8CF4F2"/>
@@ -46907,8 +47097,22 @@
                 <a:latin typeface="Consolas" pitchFamily="49" charset="0"/>
                 <a:cs typeface="Consolas" pitchFamily="49" charset="0"/>
               </a:rPr>
-              <a:t>    Person[] persons </a:t>
-            </a:r>
+              <a:t>    // I am a person.</a:t>
+            </a:r>
+          </a:p>
+          <a:p>
+            <a:pPr marL="282575" indent="-282575" eaLnBrk="0" hangingPunct="0">
+              <a:buClr>
+                <a:schemeClr val="accent5">
+                  <a:lumMod val="40000"/>
+                  <a:lumOff val="60000"/>
+                </a:schemeClr>
+              </a:buClr>
+              <a:buSzPct val="70000"/>
+              <a:tabLst>
+                <a:tab pos="282575" algn="l"/>
+              </a:tabLst>
+            </a:pPr>
             <a:r>
               <a:rPr lang="en-US" altLang="ko-KR" sz="1900" b="1" noProof="1" smtClean="0">
                 <a:solidFill>
@@ -46924,22 +47128,8 @@
                 <a:latin typeface="Consolas" pitchFamily="49" charset="0"/>
                 <a:cs typeface="Consolas" pitchFamily="49" charset="0"/>
               </a:rPr>
-              <a:t>= </a:t>
-            </a:r>
-            <a:endParaRPr lang="en-US" altLang="ko-KR" sz="1900" b="1" noProof="1" smtClean="0">
-              <a:solidFill>
-                <a:srgbClr val="8CF4F2"/>
-              </a:solidFill>
-              <a:effectLst>
-                <a:outerShdw blurRad="38100" dist="38100" dir="2700000" algn="tl">
-                  <a:srgbClr val="000000">
-                    <a:alpha val="43137"/>
-                  </a:srgbClr>
-                </a:outerShdw>
-              </a:effectLst>
-              <a:latin typeface="Consolas" pitchFamily="49" charset="0"/>
-              <a:cs typeface="Consolas" pitchFamily="49" charset="0"/>
-            </a:endParaRPr>
+              <a:t>    // I am a trainer.</a:t>
+            </a:r>
           </a:p>
           <a:p>
             <a:pPr marL="282575" indent="-282575" eaLnBrk="0" hangingPunct="0">
@@ -46969,8 +47159,22 @@
                 <a:latin typeface="Consolas" pitchFamily="49" charset="0"/>
                 <a:cs typeface="Consolas" pitchFamily="49" charset="0"/>
               </a:rPr>
-              <a:t> </a:t>
-            </a:r>
+              <a:t>    // I am a student.</a:t>
+            </a:r>
+          </a:p>
+          <a:p>
+            <a:pPr marL="282575" indent="-282575" eaLnBrk="0" hangingPunct="0">
+              <a:buClr>
+                <a:schemeClr val="accent5">
+                  <a:lumMod val="40000"/>
+                  <a:lumOff val="60000"/>
+                </a:schemeClr>
+              </a:buClr>
+              <a:buSzPct val="70000"/>
+              <a:tabLst>
+                <a:tab pos="282575" algn="l"/>
+              </a:tabLst>
+            </a:pPr>
             <a:r>
               <a:rPr lang="en-US" altLang="ko-KR" sz="1900" b="1" noProof="1" smtClean="0">
                 <a:solidFill>
@@ -46986,637 +47190,8 @@
                 <a:latin typeface="Consolas" pitchFamily="49" charset="0"/>
                 <a:cs typeface="Consolas" pitchFamily="49" charset="0"/>
               </a:rPr>
-              <a:t>   {</a:t>
-            </a:r>
-            <a:endParaRPr lang="en-US" altLang="ko-KR" sz="1900" b="1" noProof="1" smtClean="0">
-              <a:solidFill>
-                <a:srgbClr val="8CF4F2"/>
-              </a:solidFill>
-              <a:effectLst>
-                <a:outerShdw blurRad="38100" dist="38100" dir="2700000" algn="tl">
-                  <a:srgbClr val="000000">
-                    <a:alpha val="43137"/>
-                  </a:srgbClr>
-                </a:outerShdw>
-              </a:effectLst>
-              <a:latin typeface="Consolas" pitchFamily="49" charset="0"/>
-              <a:cs typeface="Consolas" pitchFamily="49" charset="0"/>
-            </a:endParaRPr>
-          </a:p>
-          <a:p>
-            <a:pPr marL="282575" indent="-282575" eaLnBrk="0" hangingPunct="0">
-              <a:buClr>
-                <a:schemeClr val="accent5">
-                  <a:lumMod val="40000"/>
-                  <a:lumOff val="60000"/>
-                </a:schemeClr>
-              </a:buClr>
-              <a:buSzPct val="70000"/>
-              <a:tabLst>
-                <a:tab pos="282575" algn="l"/>
-              </a:tabLst>
-            </a:pPr>
-            <a:r>
-              <a:rPr lang="en-US" altLang="ko-KR" sz="1900" b="1" noProof="1" smtClean="0">
-                <a:solidFill>
-                  <a:srgbClr val="8CF4F2"/>
-                </a:solidFill>
-                <a:effectLst>
-                  <a:outerShdw blurRad="38100" dist="38100" dir="2700000" algn="tl">
-                    <a:srgbClr val="000000">
-                      <a:alpha val="43137"/>
-                    </a:srgbClr>
-                  </a:outerShdw>
-                </a:effectLst>
-                <a:latin typeface="Consolas" pitchFamily="49" charset="0"/>
-                <a:cs typeface="Consolas" pitchFamily="49" charset="0"/>
-              </a:rPr>
-              <a:t> </a:t>
-            </a:r>
-            <a:r>
-              <a:rPr lang="en-US" altLang="ko-KR" sz="1900" b="1" noProof="1" smtClean="0">
-                <a:solidFill>
-                  <a:srgbClr val="8CF4F2"/>
-                </a:solidFill>
-                <a:effectLst>
-                  <a:outerShdw blurRad="38100" dist="38100" dir="2700000" algn="tl">
-                    <a:srgbClr val="000000">
-                      <a:alpha val="43137"/>
-                    </a:srgbClr>
-                  </a:outerShdw>
-                </a:effectLst>
-                <a:latin typeface="Consolas" pitchFamily="49" charset="0"/>
-                <a:cs typeface="Consolas" pitchFamily="49" charset="0"/>
-              </a:rPr>
-              <a:t>       </a:t>
-            </a:r>
-            <a:r>
-              <a:rPr lang="en-US" altLang="ko-KR" sz="1900" b="1" noProof="1" smtClean="0">
-                <a:solidFill>
-                  <a:srgbClr val="8CF4F2"/>
-                </a:solidFill>
-                <a:effectLst>
-                  <a:outerShdw blurRad="38100" dist="38100" dir="2700000" algn="tl">
-                    <a:srgbClr val="000000">
-                      <a:alpha val="43137"/>
-                    </a:srgbClr>
-                  </a:outerShdw>
-                </a:effectLst>
-                <a:latin typeface="Consolas" pitchFamily="49" charset="0"/>
-                <a:cs typeface="Consolas" pitchFamily="49" charset="0"/>
-              </a:rPr>
-              <a:t>new </a:t>
-            </a:r>
-            <a:r>
-              <a:rPr lang="en-US" altLang="ko-KR" sz="1900" b="1" noProof="1" smtClean="0">
-                <a:solidFill>
-                  <a:srgbClr val="8CF4F2"/>
-                </a:solidFill>
-                <a:effectLst>
-                  <a:outerShdw blurRad="38100" dist="38100" dir="2700000" algn="tl">
-                    <a:srgbClr val="000000">
-                      <a:alpha val="43137"/>
-                    </a:srgbClr>
-                  </a:outerShdw>
-                </a:effectLst>
-                <a:latin typeface="Consolas" pitchFamily="49" charset="0"/>
-                <a:cs typeface="Consolas" pitchFamily="49" charset="0"/>
-              </a:rPr>
-              <a:t>Person</a:t>
-            </a:r>
-            <a:r>
-              <a:rPr lang="en-US" altLang="ko-KR" sz="1900" b="1" noProof="1" smtClean="0">
-                <a:solidFill>
-                  <a:srgbClr val="8CF4F2"/>
-                </a:solidFill>
-                <a:effectLst>
-                  <a:outerShdw blurRad="38100" dist="38100" dir="2700000" algn="tl">
-                    <a:srgbClr val="000000">
-                      <a:alpha val="43137"/>
-                    </a:srgbClr>
-                  </a:outerShdw>
-                </a:effectLst>
-                <a:latin typeface="Consolas" pitchFamily="49" charset="0"/>
-                <a:cs typeface="Consolas" pitchFamily="49" charset="0"/>
-              </a:rPr>
-              <a:t>(),</a:t>
-            </a:r>
-          </a:p>
-          <a:p>
-            <a:pPr marL="282575" indent="-282575" eaLnBrk="0" hangingPunct="0">
-              <a:buClr>
-                <a:schemeClr val="accent5">
-                  <a:lumMod val="40000"/>
-                  <a:lumOff val="60000"/>
-                </a:schemeClr>
-              </a:buClr>
-              <a:buSzPct val="70000"/>
-              <a:tabLst>
-                <a:tab pos="282575" algn="l"/>
-              </a:tabLst>
-            </a:pPr>
-            <a:r>
-              <a:rPr lang="en-US" altLang="ko-KR" sz="1900" b="1" noProof="1" smtClean="0">
-                <a:solidFill>
-                  <a:srgbClr val="8CF4F2"/>
-                </a:solidFill>
-                <a:effectLst>
-                  <a:outerShdw blurRad="38100" dist="38100" dir="2700000" algn="tl">
-                    <a:srgbClr val="000000">
-                      <a:alpha val="43137"/>
-                    </a:srgbClr>
-                  </a:outerShdw>
-                </a:effectLst>
-                <a:latin typeface="Consolas" pitchFamily="49" charset="0"/>
-                <a:cs typeface="Consolas" pitchFamily="49" charset="0"/>
-              </a:rPr>
-              <a:t> </a:t>
-            </a:r>
-            <a:r>
-              <a:rPr lang="en-US" altLang="ko-KR" sz="1900" b="1" noProof="1" smtClean="0">
-                <a:solidFill>
-                  <a:srgbClr val="8CF4F2"/>
-                </a:solidFill>
-                <a:effectLst>
-                  <a:outerShdw blurRad="38100" dist="38100" dir="2700000" algn="tl">
-                    <a:srgbClr val="000000">
-                      <a:alpha val="43137"/>
-                    </a:srgbClr>
-                  </a:outerShdw>
-                </a:effectLst>
-                <a:latin typeface="Consolas" pitchFamily="49" charset="0"/>
-                <a:cs typeface="Consolas" pitchFamily="49" charset="0"/>
-              </a:rPr>
-              <a:t>       new Trainer(),</a:t>
-            </a:r>
-          </a:p>
-          <a:p>
-            <a:pPr marL="282575" indent="-282575" eaLnBrk="0" hangingPunct="0">
-              <a:buClr>
-                <a:schemeClr val="accent5">
-                  <a:lumMod val="40000"/>
-                  <a:lumOff val="60000"/>
-                </a:schemeClr>
-              </a:buClr>
-              <a:buSzPct val="70000"/>
-              <a:tabLst>
-                <a:tab pos="282575" algn="l"/>
-              </a:tabLst>
-            </a:pPr>
-            <a:r>
-              <a:rPr lang="en-US" altLang="ko-KR" sz="1900" b="1" noProof="1" smtClean="0">
-                <a:solidFill>
-                  <a:srgbClr val="8CF4F2"/>
-                </a:solidFill>
-                <a:effectLst>
-                  <a:outerShdw blurRad="38100" dist="38100" dir="2700000" algn="tl">
-                    <a:srgbClr val="000000">
-                      <a:alpha val="43137"/>
-                    </a:srgbClr>
-                  </a:outerShdw>
-                </a:effectLst>
-                <a:latin typeface="Consolas" pitchFamily="49" charset="0"/>
-                <a:cs typeface="Consolas" pitchFamily="49" charset="0"/>
-              </a:rPr>
-              <a:t> </a:t>
-            </a:r>
-            <a:r>
-              <a:rPr lang="en-US" altLang="ko-KR" sz="1900" b="1" noProof="1" smtClean="0">
-                <a:solidFill>
-                  <a:srgbClr val="8CF4F2"/>
-                </a:solidFill>
-                <a:effectLst>
-                  <a:outerShdw blurRad="38100" dist="38100" dir="2700000" algn="tl">
-                    <a:srgbClr val="000000">
-                      <a:alpha val="43137"/>
-                    </a:srgbClr>
-                  </a:outerShdw>
-                </a:effectLst>
-                <a:latin typeface="Consolas" pitchFamily="49" charset="0"/>
-                <a:cs typeface="Consolas" pitchFamily="49" charset="0"/>
-              </a:rPr>
-              <a:t>       new Student()</a:t>
-            </a:r>
-          </a:p>
-          <a:p>
-            <a:pPr marL="282575" indent="-282575" eaLnBrk="0" hangingPunct="0">
-              <a:buClr>
-                <a:schemeClr val="accent5">
-                  <a:lumMod val="40000"/>
-                  <a:lumOff val="60000"/>
-                </a:schemeClr>
-              </a:buClr>
-              <a:buSzPct val="70000"/>
-              <a:tabLst>
-                <a:tab pos="282575" algn="l"/>
-              </a:tabLst>
-            </a:pPr>
-            <a:r>
-              <a:rPr lang="en-US" altLang="ko-KR" sz="1900" b="1" noProof="1" smtClean="0">
-                <a:solidFill>
-                  <a:srgbClr val="8CF4F2"/>
-                </a:solidFill>
-                <a:effectLst>
-                  <a:outerShdw blurRad="38100" dist="38100" dir="2700000" algn="tl">
-                    <a:srgbClr val="000000">
-                      <a:alpha val="43137"/>
-                    </a:srgbClr>
-                  </a:outerShdw>
-                </a:effectLst>
-                <a:latin typeface="Consolas" pitchFamily="49" charset="0"/>
-                <a:cs typeface="Consolas" pitchFamily="49" charset="0"/>
-              </a:rPr>
-              <a:t> </a:t>
-            </a:r>
-            <a:r>
-              <a:rPr lang="en-US" altLang="ko-KR" sz="1900" b="1" noProof="1" smtClean="0">
-                <a:solidFill>
-                  <a:srgbClr val="8CF4F2"/>
-                </a:solidFill>
-                <a:effectLst>
-                  <a:outerShdw blurRad="38100" dist="38100" dir="2700000" algn="tl">
-                    <a:srgbClr val="000000">
-                      <a:alpha val="43137"/>
-                    </a:srgbClr>
-                  </a:outerShdw>
-                </a:effectLst>
-                <a:latin typeface="Consolas" pitchFamily="49" charset="0"/>
-                <a:cs typeface="Consolas" pitchFamily="49" charset="0"/>
-              </a:rPr>
-              <a:t>   };</a:t>
-            </a:r>
-          </a:p>
-          <a:p>
-            <a:pPr marL="282575" indent="-282575" eaLnBrk="0" hangingPunct="0">
-              <a:buClr>
-                <a:schemeClr val="accent5">
-                  <a:lumMod val="40000"/>
-                  <a:lumOff val="60000"/>
-                </a:schemeClr>
-              </a:buClr>
-              <a:buSzPct val="70000"/>
-              <a:tabLst>
-                <a:tab pos="282575" algn="l"/>
-              </a:tabLst>
-            </a:pPr>
-            <a:r>
-              <a:rPr lang="en-US" altLang="ko-KR" sz="1900" b="1" noProof="1" smtClean="0">
-                <a:solidFill>
-                  <a:srgbClr val="8CF4F2"/>
-                </a:solidFill>
-                <a:effectLst>
-                  <a:outerShdw blurRad="38100" dist="38100" dir="2700000" algn="tl">
-                    <a:srgbClr val="000000">
-                      <a:alpha val="43137"/>
-                    </a:srgbClr>
-                  </a:outerShdw>
-                </a:effectLst>
-                <a:latin typeface="Consolas" pitchFamily="49" charset="0"/>
-                <a:cs typeface="Consolas" pitchFamily="49" charset="0"/>
-              </a:rPr>
-              <a:t> </a:t>
-            </a:r>
-            <a:r>
-              <a:rPr lang="en-US" altLang="ko-KR" sz="1900" b="1" noProof="1" smtClean="0">
-                <a:solidFill>
-                  <a:srgbClr val="8CF4F2"/>
-                </a:solidFill>
-                <a:effectLst>
-                  <a:outerShdw blurRad="38100" dist="38100" dir="2700000" algn="tl">
-                    <a:srgbClr val="000000">
-                      <a:alpha val="43137"/>
-                    </a:srgbClr>
-                  </a:outerShdw>
-                </a:effectLst>
-                <a:latin typeface="Consolas" pitchFamily="49" charset="0"/>
-                <a:cs typeface="Consolas" pitchFamily="49" charset="0"/>
-              </a:rPr>
-              <a:t>   foreach (Person p in persons)</a:t>
-            </a:r>
-          </a:p>
-          <a:p>
-            <a:pPr marL="282575" indent="-282575" eaLnBrk="0" hangingPunct="0">
-              <a:buClr>
-                <a:schemeClr val="accent5">
-                  <a:lumMod val="40000"/>
-                  <a:lumOff val="60000"/>
-                </a:schemeClr>
-              </a:buClr>
-              <a:buSzPct val="70000"/>
-              <a:tabLst>
-                <a:tab pos="282575" algn="l"/>
-              </a:tabLst>
-            </a:pPr>
-            <a:r>
-              <a:rPr lang="en-US" altLang="ko-KR" sz="1900" b="1" noProof="1" smtClean="0">
-                <a:solidFill>
-                  <a:srgbClr val="8CF4F2"/>
-                </a:solidFill>
-                <a:effectLst>
-                  <a:outerShdw blurRad="38100" dist="38100" dir="2700000" algn="tl">
-                    <a:srgbClr val="000000">
-                      <a:alpha val="43137"/>
-                    </a:srgbClr>
-                  </a:outerShdw>
-                </a:effectLst>
-                <a:latin typeface="Consolas" pitchFamily="49" charset="0"/>
-                <a:cs typeface="Consolas" pitchFamily="49" charset="0"/>
-              </a:rPr>
-              <a:t>    {</a:t>
-            </a:r>
-          </a:p>
-          <a:p>
-            <a:pPr marL="282575" indent="-282575" eaLnBrk="0" hangingPunct="0">
-              <a:buClr>
-                <a:schemeClr val="accent5">
-                  <a:lumMod val="40000"/>
-                  <a:lumOff val="60000"/>
-                </a:schemeClr>
-              </a:buClr>
-              <a:buSzPct val="70000"/>
-              <a:tabLst>
-                <a:tab pos="282575" algn="l"/>
-              </a:tabLst>
-            </a:pPr>
-            <a:r>
-              <a:rPr lang="en-US" altLang="ko-KR" sz="1900" b="1" noProof="1" smtClean="0">
-                <a:solidFill>
-                  <a:srgbClr val="8CF4F2"/>
-                </a:solidFill>
-                <a:effectLst>
-                  <a:outerShdw blurRad="38100" dist="38100" dir="2700000" algn="tl">
-                    <a:srgbClr val="000000">
-                      <a:alpha val="43137"/>
-                    </a:srgbClr>
-                  </a:outerShdw>
-                </a:effectLst>
-                <a:latin typeface="Consolas" pitchFamily="49" charset="0"/>
-                <a:cs typeface="Consolas" pitchFamily="49" charset="0"/>
-              </a:rPr>
-              <a:t>        Console.WriteLine(p); </a:t>
-            </a:r>
-          </a:p>
-          <a:p>
-            <a:pPr marL="282575" indent="-282575" eaLnBrk="0" hangingPunct="0">
-              <a:buClr>
-                <a:schemeClr val="accent5">
-                  <a:lumMod val="40000"/>
-                  <a:lumOff val="60000"/>
-                </a:schemeClr>
-              </a:buClr>
-              <a:buSzPct val="70000"/>
-              <a:tabLst>
-                <a:tab pos="282575" algn="l"/>
-              </a:tabLst>
-            </a:pPr>
-            <a:r>
-              <a:rPr lang="en-US" altLang="ko-KR" sz="1900" b="1" noProof="1" smtClean="0">
-                <a:solidFill>
-                  <a:srgbClr val="8CF4F2"/>
-                </a:solidFill>
-                <a:effectLst>
-                  <a:outerShdw blurRad="38100" dist="38100" dir="2700000" algn="tl">
-                    <a:srgbClr val="000000">
-                      <a:alpha val="43137"/>
-                    </a:srgbClr>
-                  </a:outerShdw>
-                </a:effectLst>
-                <a:latin typeface="Consolas" pitchFamily="49" charset="0"/>
-                <a:cs typeface="Consolas" pitchFamily="49" charset="0"/>
-              </a:rPr>
-              <a:t>    } </a:t>
-            </a:r>
-            <a:endParaRPr lang="en-US" altLang="ko-KR" sz="1900" b="1" noProof="1" smtClean="0">
-              <a:solidFill>
-                <a:srgbClr val="8CF4F2"/>
-              </a:solidFill>
-              <a:effectLst>
-                <a:outerShdw blurRad="38100" dist="38100" dir="2700000" algn="tl">
-                  <a:srgbClr val="000000">
-                    <a:alpha val="43137"/>
-                  </a:srgbClr>
-                </a:outerShdw>
-              </a:effectLst>
-              <a:latin typeface="Consolas" pitchFamily="49" charset="0"/>
-              <a:cs typeface="Consolas" pitchFamily="49" charset="0"/>
-            </a:endParaRPr>
-          </a:p>
-          <a:p>
-            <a:pPr marL="282575" indent="-282575" eaLnBrk="0" hangingPunct="0">
-              <a:buClr>
-                <a:schemeClr val="accent5">
-                  <a:lumMod val="40000"/>
-                  <a:lumOff val="60000"/>
-                </a:schemeClr>
-              </a:buClr>
-              <a:buSzPct val="70000"/>
-              <a:tabLst>
-                <a:tab pos="282575" algn="l"/>
-              </a:tabLst>
-            </a:pPr>
-            <a:endParaRPr lang="en-US" altLang="ko-KR" sz="1900" b="1" noProof="1" smtClean="0">
-              <a:solidFill>
-                <a:srgbClr val="8CF4F2"/>
-              </a:solidFill>
-              <a:effectLst>
-                <a:outerShdw blurRad="38100" dist="38100" dir="2700000" algn="tl">
-                  <a:srgbClr val="000000">
-                    <a:alpha val="43137"/>
-                  </a:srgbClr>
-                </a:outerShdw>
-              </a:effectLst>
-              <a:latin typeface="Consolas" pitchFamily="49" charset="0"/>
-              <a:cs typeface="Consolas" pitchFamily="49" charset="0"/>
-            </a:endParaRPr>
-          </a:p>
-          <a:p>
-            <a:pPr marL="282575" indent="-282575" eaLnBrk="0" hangingPunct="0">
-              <a:buClr>
-                <a:schemeClr val="accent5">
-                  <a:lumMod val="40000"/>
-                  <a:lumOff val="60000"/>
-                </a:schemeClr>
-              </a:buClr>
-              <a:buSzPct val="70000"/>
-              <a:tabLst>
-                <a:tab pos="282575" algn="l"/>
-              </a:tabLst>
-            </a:pPr>
-            <a:r>
-              <a:rPr lang="en-US" altLang="ko-KR" sz="1900" b="1" noProof="1" smtClean="0">
-                <a:solidFill>
-                  <a:srgbClr val="8CF4F2"/>
-                </a:solidFill>
-                <a:effectLst>
-                  <a:outerShdw blurRad="38100" dist="38100" dir="2700000" algn="tl">
-                    <a:srgbClr val="000000">
-                      <a:alpha val="43137"/>
-                    </a:srgbClr>
-                  </a:outerShdw>
-                </a:effectLst>
-                <a:latin typeface="Consolas" pitchFamily="49" charset="0"/>
-                <a:cs typeface="Consolas" pitchFamily="49" charset="0"/>
-              </a:rPr>
-              <a:t>    // </a:t>
-            </a:r>
-            <a:r>
-              <a:rPr lang="en-US" altLang="ko-KR" sz="1900" b="1" noProof="1" smtClean="0">
-                <a:solidFill>
-                  <a:srgbClr val="8CF4F2"/>
-                </a:solidFill>
-                <a:effectLst>
-                  <a:outerShdw blurRad="38100" dist="38100" dir="2700000" algn="tl">
-                    <a:srgbClr val="000000">
-                      <a:alpha val="43137"/>
-                    </a:srgbClr>
-                  </a:outerShdw>
-                </a:effectLst>
-                <a:latin typeface="Consolas" pitchFamily="49" charset="0"/>
-                <a:cs typeface="Consolas" pitchFamily="49" charset="0"/>
-              </a:rPr>
-              <a:t>I am a person.</a:t>
-            </a:r>
-          </a:p>
-          <a:p>
-            <a:pPr marL="282575" indent="-282575" eaLnBrk="0" hangingPunct="0">
-              <a:buClr>
-                <a:schemeClr val="accent5">
-                  <a:lumMod val="40000"/>
-                  <a:lumOff val="60000"/>
-                </a:schemeClr>
-              </a:buClr>
-              <a:buSzPct val="70000"/>
-              <a:tabLst>
-                <a:tab pos="282575" algn="l"/>
-              </a:tabLst>
-            </a:pPr>
-            <a:r>
-              <a:rPr lang="en-US" altLang="ko-KR" sz="1900" b="1" noProof="1" smtClean="0">
-                <a:solidFill>
-                  <a:srgbClr val="8CF4F2"/>
-                </a:solidFill>
-                <a:effectLst>
-                  <a:outerShdw blurRad="38100" dist="38100" dir="2700000" algn="tl">
-                    <a:srgbClr val="000000">
-                      <a:alpha val="43137"/>
-                    </a:srgbClr>
-                  </a:outerShdw>
-                </a:effectLst>
-                <a:latin typeface="Consolas" pitchFamily="49" charset="0"/>
-                <a:cs typeface="Consolas" pitchFamily="49" charset="0"/>
-              </a:rPr>
-              <a:t>    // </a:t>
-            </a:r>
-            <a:r>
-              <a:rPr lang="en-US" altLang="ko-KR" sz="1900" b="1" noProof="1" smtClean="0">
-                <a:solidFill>
-                  <a:srgbClr val="8CF4F2"/>
-                </a:solidFill>
-                <a:effectLst>
-                  <a:outerShdw blurRad="38100" dist="38100" dir="2700000" algn="tl">
-                    <a:srgbClr val="000000">
-                      <a:alpha val="43137"/>
-                    </a:srgbClr>
-                  </a:outerShdw>
-                </a:effectLst>
-                <a:latin typeface="Consolas" pitchFamily="49" charset="0"/>
-                <a:cs typeface="Consolas" pitchFamily="49" charset="0"/>
-              </a:rPr>
-              <a:t>I am a trainer.</a:t>
-            </a:r>
-          </a:p>
-          <a:p>
-            <a:pPr marL="282575" indent="-282575" eaLnBrk="0" hangingPunct="0">
-              <a:buClr>
-                <a:schemeClr val="accent5">
-                  <a:lumMod val="40000"/>
-                  <a:lumOff val="60000"/>
-                </a:schemeClr>
-              </a:buClr>
-              <a:buSzPct val="70000"/>
-              <a:tabLst>
-                <a:tab pos="282575" algn="l"/>
-              </a:tabLst>
-            </a:pPr>
-            <a:r>
-              <a:rPr lang="en-US" altLang="ko-KR" sz="1900" b="1" noProof="1" smtClean="0">
-                <a:solidFill>
-                  <a:srgbClr val="8CF4F2"/>
-                </a:solidFill>
-                <a:effectLst>
-                  <a:outerShdw blurRad="38100" dist="38100" dir="2700000" algn="tl">
-                    <a:srgbClr val="000000">
-                      <a:alpha val="43137"/>
-                    </a:srgbClr>
-                  </a:outerShdw>
-                </a:effectLst>
-                <a:latin typeface="Consolas" pitchFamily="49" charset="0"/>
-                <a:cs typeface="Consolas" pitchFamily="49" charset="0"/>
-              </a:rPr>
-              <a:t>    // </a:t>
-            </a:r>
-            <a:r>
-              <a:rPr lang="en-US" altLang="ko-KR" sz="1900" b="1" noProof="1" smtClean="0">
-                <a:solidFill>
-                  <a:srgbClr val="8CF4F2"/>
-                </a:solidFill>
-                <a:effectLst>
-                  <a:outerShdw blurRad="38100" dist="38100" dir="2700000" algn="tl">
-                    <a:srgbClr val="000000">
-                      <a:alpha val="43137"/>
-                    </a:srgbClr>
-                  </a:outerShdw>
-                </a:effectLst>
-                <a:latin typeface="Consolas" pitchFamily="49" charset="0"/>
-                <a:cs typeface="Consolas" pitchFamily="49" charset="0"/>
-              </a:rPr>
-              <a:t>I am a student.</a:t>
-            </a:r>
-          </a:p>
-          <a:p>
-            <a:pPr marL="282575" indent="-282575" eaLnBrk="0" hangingPunct="0">
-              <a:buClr>
-                <a:schemeClr val="accent5">
-                  <a:lumMod val="40000"/>
-                  <a:lumOff val="60000"/>
-                </a:schemeClr>
-              </a:buClr>
-              <a:buSzPct val="70000"/>
-              <a:tabLst>
-                <a:tab pos="282575" algn="l"/>
-              </a:tabLst>
-            </a:pPr>
-            <a:r>
-              <a:rPr lang="en-US" altLang="ko-KR" sz="1900" b="1" noProof="1" smtClean="0">
-                <a:solidFill>
-                  <a:srgbClr val="8CF4F2"/>
-                </a:solidFill>
-                <a:effectLst>
-                  <a:outerShdw blurRad="38100" dist="38100" dir="2700000" algn="tl">
-                    <a:srgbClr val="000000">
-                      <a:alpha val="43137"/>
-                    </a:srgbClr>
-                  </a:outerShdw>
-                </a:effectLst>
-                <a:latin typeface="Consolas" pitchFamily="49" charset="0"/>
-                <a:cs typeface="Consolas" pitchFamily="49" charset="0"/>
-              </a:rPr>
               <a:t>}</a:t>
             </a:r>
-            <a:endParaRPr lang="en-US" altLang="ko-KR" sz="1900" b="1" noProof="1" smtClean="0">
-              <a:solidFill>
-                <a:srgbClr val="8CF4F2"/>
-              </a:solidFill>
-              <a:effectLst>
-                <a:outerShdw blurRad="38100" dist="38100" dir="2700000" algn="tl">
-                  <a:srgbClr val="000000">
-                    <a:alpha val="43137"/>
-                  </a:srgbClr>
-                </a:outerShdw>
-              </a:effectLst>
-              <a:latin typeface="Consolas" pitchFamily="49" charset="0"/>
-              <a:cs typeface="Consolas" pitchFamily="49" charset="0"/>
-            </a:endParaRPr>
           </a:p>
         </p:txBody>
       </p:sp>
@@ -48047,7 +47622,7 @@
         </p:nvSpPr>
         <p:spPr>
           <a:xfrm>
-            <a:off x="228600" y="1066800"/>
+            <a:off x="228600" y="990600"/>
             <a:ext cx="8686800" cy="5638800"/>
           </a:xfrm>
         </p:spPr>
@@ -48057,7 +47632,7 @@
           <a:p>
             <a:pPr>
               <a:lnSpc>
-                <a:spcPts val="3600"/>
+                <a:spcPct val="100000"/>
               </a:lnSpc>
             </a:pPr>
             <a:r>
@@ -48076,7 +47651,7 @@
           <a:p>
             <a:pPr lvl="1">
               <a:lnSpc>
-                <a:spcPts val="3600"/>
+                <a:spcPct val="100000"/>
               </a:lnSpc>
             </a:pPr>
             <a:r>
@@ -48152,7 +47727,7 @@
           <a:p>
             <a:pPr lvl="1">
               <a:lnSpc>
-                <a:spcPts val="3600"/>
+                <a:spcPct val="100000"/>
               </a:lnSpc>
             </a:pPr>
             <a:r>
@@ -48199,7 +47774,7 @@
           <a:p>
             <a:pPr>
               <a:lnSpc>
-                <a:spcPts val="3600"/>
+                <a:spcPct val="100000"/>
               </a:lnSpc>
             </a:pPr>
             <a:r>
@@ -48211,7 +47786,7 @@
           <a:p>
             <a:pPr lvl="1">
               <a:lnSpc>
-                <a:spcPts val="3600"/>
+                <a:spcPct val="100000"/>
               </a:lnSpc>
             </a:pPr>
             <a:r>
@@ -48222,11 +47797,6 @@
                     <a:lumOff val="80000"/>
                   </a:schemeClr>
                 </a:solidFill>
-                <a:effectLst>
-                  <a:outerShdw blurRad="38100" dist="38100" dir="2700000" algn="tl">
-                    <a:srgbClr val="000000"/>
-                  </a:outerShdw>
-                </a:effectLst>
               </a:rPr>
               <a:t>public</a:t>
             </a:r>
@@ -48242,11 +47812,6 @@
                     <a:lumOff val="80000"/>
                   </a:schemeClr>
                 </a:solidFill>
-                <a:effectLst>
-                  <a:outerShdw blurRad="38100" dist="38100" dir="2700000" algn="tl">
-                    <a:srgbClr val="000000"/>
-                  </a:outerShdw>
-                </a:effectLst>
               </a:rPr>
               <a:t>private</a:t>
             </a:r>
@@ -48262,11 +47827,6 @@
                     <a:lumOff val="80000"/>
                   </a:schemeClr>
                 </a:solidFill>
-                <a:effectLst>
-                  <a:outerShdw blurRad="38100" dist="38100" dir="2700000" algn="tl">
-                    <a:srgbClr val="000000"/>
-                  </a:outerShdw>
-                </a:effectLst>
               </a:rPr>
               <a:t>protected</a:t>
             </a:r>
@@ -48282,11 +47842,6 @@
                     <a:lumOff val="80000"/>
                   </a:schemeClr>
                 </a:solidFill>
-                <a:effectLst>
-                  <a:outerShdw blurRad="38100" dist="38100" dir="2700000" algn="tl">
-                    <a:srgbClr val="000000"/>
-                  </a:outerShdw>
-                </a:effectLst>
               </a:rPr>
               <a:t>internal</a:t>
             </a:r>
@@ -48297,17 +47852,12 @@
                   <a:lumOff val="80000"/>
                 </a:schemeClr>
               </a:solidFill>
-              <a:effectLst>
-                <a:outerShdw blurRad="38100" dist="38100" dir="2700000" algn="tl">
-                  <a:srgbClr val="000000"/>
-                </a:outerShdw>
-              </a:effectLst>
             </a:endParaRPr>
           </a:p>
           <a:p>
             <a:pPr>
               <a:lnSpc>
-                <a:spcPts val="3600"/>
+                <a:spcPct val="100000"/>
               </a:lnSpc>
             </a:pPr>
             <a:r>
@@ -48318,7 +47868,7 @@
           <a:p>
             <a:pPr lvl="1">
               <a:lnSpc>
-                <a:spcPts val="3600"/>
+                <a:spcPct val="100000"/>
               </a:lnSpc>
             </a:pPr>
             <a:r>
@@ -48329,11 +47879,6 @@
                     <a:lumOff val="80000"/>
                   </a:schemeClr>
                 </a:solidFill>
-                <a:effectLst>
-                  <a:outerShdw blurRad="38100" dist="38100" dir="2700000" algn="tl">
-                    <a:srgbClr val="000000"/>
-                  </a:outerShdw>
-                </a:effectLst>
               </a:rPr>
               <a:t>static</a:t>
             </a:r>
